--- a/docs/robot_ai_framework.pptx
+++ b/docs/robot_ai_framework.pptx
@@ -5,10 +5,11 @@
     <p:sldMasterId id="2147483648" r:id="rId1"/>
   </p:sldMasterIdLst>
   <p:sldIdLst>
-    <p:sldId id="256" r:id="rId2"/>
-    <p:sldId id="257" r:id="rId3"/>
-    <p:sldId id="259" r:id="rId4"/>
-    <p:sldId id="260" r:id="rId5"/>
+    <p:sldId id="257" r:id="rId2"/>
+    <p:sldId id="262" r:id="rId3"/>
+    <p:sldId id="261" r:id="rId4"/>
+    <p:sldId id="259" r:id="rId5"/>
+    <p:sldId id="260" r:id="rId6"/>
   </p:sldIdLst>
   <p:sldSz cx="12192000" cy="6858000"/>
   <p:notesSz cx="6858000" cy="9144000"/>
@@ -262,7 +263,7 @@
           <a:p>
             <a:fld id="{E5F01DAD-92B1-4208-9152-8BA18B4D24EE}" type="datetimeFigureOut">
               <a:rPr lang="ko-KR" altLang="en-US" smtClean="0"/>
-              <a:t>2023-10-24</a:t>
+              <a:t>2023-11-21</a:t>
             </a:fld>
             <a:endParaRPr lang="ko-KR" altLang="en-US"/>
           </a:p>
@@ -460,7 +461,7 @@
           <a:p>
             <a:fld id="{E5F01DAD-92B1-4208-9152-8BA18B4D24EE}" type="datetimeFigureOut">
               <a:rPr lang="ko-KR" altLang="en-US" smtClean="0"/>
-              <a:t>2023-10-24</a:t>
+              <a:t>2023-11-21</a:t>
             </a:fld>
             <a:endParaRPr lang="ko-KR" altLang="en-US"/>
           </a:p>
@@ -668,7 +669,7 @@
           <a:p>
             <a:fld id="{E5F01DAD-92B1-4208-9152-8BA18B4D24EE}" type="datetimeFigureOut">
               <a:rPr lang="ko-KR" altLang="en-US" smtClean="0"/>
-              <a:t>2023-10-24</a:t>
+              <a:t>2023-11-21</a:t>
             </a:fld>
             <a:endParaRPr lang="ko-KR" altLang="en-US"/>
           </a:p>
@@ -866,7 +867,7 @@
           <a:p>
             <a:fld id="{E5F01DAD-92B1-4208-9152-8BA18B4D24EE}" type="datetimeFigureOut">
               <a:rPr lang="ko-KR" altLang="en-US" smtClean="0"/>
-              <a:t>2023-10-24</a:t>
+              <a:t>2023-11-21</a:t>
             </a:fld>
             <a:endParaRPr lang="ko-KR" altLang="en-US"/>
           </a:p>
@@ -1141,7 +1142,7 @@
           <a:p>
             <a:fld id="{E5F01DAD-92B1-4208-9152-8BA18B4D24EE}" type="datetimeFigureOut">
               <a:rPr lang="ko-KR" altLang="en-US" smtClean="0"/>
-              <a:t>2023-10-24</a:t>
+              <a:t>2023-11-21</a:t>
             </a:fld>
             <a:endParaRPr lang="ko-KR" altLang="en-US"/>
           </a:p>
@@ -1406,7 +1407,7 @@
           <a:p>
             <a:fld id="{E5F01DAD-92B1-4208-9152-8BA18B4D24EE}" type="datetimeFigureOut">
               <a:rPr lang="ko-KR" altLang="en-US" smtClean="0"/>
-              <a:t>2023-10-24</a:t>
+              <a:t>2023-11-21</a:t>
             </a:fld>
             <a:endParaRPr lang="ko-KR" altLang="en-US"/>
           </a:p>
@@ -1818,7 +1819,7 @@
           <a:p>
             <a:fld id="{E5F01DAD-92B1-4208-9152-8BA18B4D24EE}" type="datetimeFigureOut">
               <a:rPr lang="ko-KR" altLang="en-US" smtClean="0"/>
-              <a:t>2023-10-24</a:t>
+              <a:t>2023-11-21</a:t>
             </a:fld>
             <a:endParaRPr lang="ko-KR" altLang="en-US"/>
           </a:p>
@@ -1959,7 +1960,7 @@
           <a:p>
             <a:fld id="{E5F01DAD-92B1-4208-9152-8BA18B4D24EE}" type="datetimeFigureOut">
               <a:rPr lang="ko-KR" altLang="en-US" smtClean="0"/>
-              <a:t>2023-10-24</a:t>
+              <a:t>2023-11-21</a:t>
             </a:fld>
             <a:endParaRPr lang="ko-KR" altLang="en-US"/>
           </a:p>
@@ -2072,7 +2073,7 @@
           <a:p>
             <a:fld id="{E5F01DAD-92B1-4208-9152-8BA18B4D24EE}" type="datetimeFigureOut">
               <a:rPr lang="ko-KR" altLang="en-US" smtClean="0"/>
-              <a:t>2023-10-24</a:t>
+              <a:t>2023-11-21</a:t>
             </a:fld>
             <a:endParaRPr lang="ko-KR" altLang="en-US"/>
           </a:p>
@@ -2383,7 +2384,7 @@
           <a:p>
             <a:fld id="{E5F01DAD-92B1-4208-9152-8BA18B4D24EE}" type="datetimeFigureOut">
               <a:rPr lang="ko-KR" altLang="en-US" smtClean="0"/>
-              <a:t>2023-10-24</a:t>
+              <a:t>2023-11-21</a:t>
             </a:fld>
             <a:endParaRPr lang="ko-KR" altLang="en-US"/>
           </a:p>
@@ -2671,7 +2672,7 @@
           <a:p>
             <a:fld id="{E5F01DAD-92B1-4208-9152-8BA18B4D24EE}" type="datetimeFigureOut">
               <a:rPr lang="ko-KR" altLang="en-US" smtClean="0"/>
-              <a:t>2023-10-24</a:t>
+              <a:t>2023-11-21</a:t>
             </a:fld>
             <a:endParaRPr lang="ko-KR" altLang="en-US"/>
           </a:p>
@@ -2912,7 +2913,7 @@
           <a:p>
             <a:fld id="{E5F01DAD-92B1-4208-9152-8BA18B4D24EE}" type="datetimeFigureOut">
               <a:rPr lang="ko-KR" altLang="en-US" smtClean="0"/>
-              <a:t>2023-10-24</a:t>
+              <a:t>2023-11-21</a:t>
             </a:fld>
             <a:endParaRPr lang="ko-KR" altLang="en-US"/>
           </a:p>
@@ -3343,7 +3344,7 @@
         </p:nvSpPr>
         <p:spPr>
           <a:xfrm>
-            <a:off x="5991543" y="1503452"/>
+            <a:off x="6401134" y="1503452"/>
             <a:ext cx="104456" cy="3587690"/>
           </a:xfrm>
           <a:prstGeom prst="rect">
@@ -3576,12 +3577,28 @@
           <a:p>
             <a:pPr algn="ctr"/>
             <a:r>
+              <a:rPr lang="en-US" altLang="ko-KR" sz="1200" b="1">
+                <a:solidFill>
+                  <a:schemeClr val="tx1"/>
+                </a:solidFill>
+              </a:rPr>
+              <a:t>&lt;Command&gt;</a:t>
+            </a:r>
+            <a:endParaRPr lang="en-US" altLang="ko-KR" sz="1200" b="1" dirty="0">
+              <a:solidFill>
+                <a:schemeClr val="tx1"/>
+              </a:solidFill>
+            </a:endParaRPr>
+          </a:p>
+          <a:p>
+            <a:pPr algn="ctr"/>
+            <a:r>
               <a:rPr lang="en-US" altLang="ko-KR" sz="1200" b="1" dirty="0">
                 <a:solidFill>
                   <a:schemeClr val="tx1"/>
                 </a:solidFill>
               </a:rPr>
-              <a:t>&lt;Instruction&gt;</a:t>
+              <a:t>Instruction</a:t>
             </a:r>
           </a:p>
           <a:p>
@@ -3592,18 +3609,7 @@
                   <a:schemeClr val="tx1"/>
                 </a:solidFill>
               </a:rPr>
-              <a:t>Target</a:t>
-            </a:r>
-          </a:p>
-          <a:p>
-            <a:pPr algn="ctr"/>
-            <a:r>
-              <a:rPr lang="en-US" altLang="ko-KR" sz="1200" b="1" dirty="0">
-                <a:solidFill>
-                  <a:schemeClr val="tx1"/>
-                </a:solidFill>
-              </a:rPr>
-              <a:t>Task</a:t>
+              <a:t>Goal Point</a:t>
             </a:r>
           </a:p>
           <a:p>
@@ -3806,7 +3812,7 @@
                   <a:schemeClr val="tx1"/>
                 </a:solidFill>
               </a:rPr>
-              <a:t>(RGB)</a:t>
+              <a:t>(RGBD)</a:t>
             </a:r>
             <a:endParaRPr lang="ko-KR" altLang="en-US" sz="1200" b="1" dirty="0">
               <a:solidFill>
@@ -3818,10 +3824,10 @@
       </p:sp>
       <p:sp>
         <p:nvSpPr>
-          <p:cNvPr id="29" name="순서도: 대체 처리 28">
-            <a:extLst>
-              <a:ext uri="{FF2B5EF4-FFF2-40B4-BE49-F238E27FC236}">
-                <a16:creationId xmlns:a16="http://schemas.microsoft.com/office/drawing/2014/main" id="{E0A7C13D-EAAF-AFA7-8797-A3FADDDF68F2}"/>
+          <p:cNvPr id="32" name="순서도: 대체 처리 31">
+            <a:extLst>
+              <a:ext uri="{FF2B5EF4-FFF2-40B4-BE49-F238E27FC236}">
+                <a16:creationId xmlns:a16="http://schemas.microsoft.com/office/drawing/2014/main" id="{B8236989-B09D-7E03-0591-773971579E6B}"/>
               </a:ext>
             </a:extLst>
           </p:cNvPr>
@@ -3830,98 +3836,7 @@
         </p:nvSpPr>
         <p:spPr>
           <a:xfrm>
-            <a:off x="4514372" y="4760399"/>
-            <a:ext cx="1313937" cy="1606613"/>
-          </a:xfrm>
-          <a:prstGeom prst="flowChartAlternateProcess">
-            <a:avLst/>
-          </a:prstGeom>
-        </p:spPr>
-        <p:style>
-          <a:lnRef idx="0">
-            <a:schemeClr val="accent1"/>
-          </a:lnRef>
-          <a:fillRef idx="3">
-            <a:schemeClr val="accent1"/>
-          </a:fillRef>
-          <a:effectRef idx="3">
-            <a:schemeClr val="accent1"/>
-          </a:effectRef>
-          <a:fontRef idx="minor">
-            <a:schemeClr val="lt1"/>
-          </a:fontRef>
-        </p:style>
-        <p:txBody>
-          <a:bodyPr rtlCol="0" anchor="ctr"/>
-          <a:lstStyle/>
-          <a:p>
-            <a:pPr algn="ctr"/>
-            <a:r>
-              <a:rPr lang="en-US" altLang="ko-KR" sz="1200" b="1" dirty="0"/>
-              <a:t>Skeleton</a:t>
-            </a:r>
-          </a:p>
-          <a:p>
-            <a:pPr algn="ctr"/>
-            <a:r>
-              <a:rPr lang="en-US" altLang="ko-KR" sz="1200" b="1" dirty="0"/>
-              <a:t>Detection</a:t>
-            </a:r>
-          </a:p>
-        </p:txBody>
-      </p:sp>
-      <p:sp>
-        <p:nvSpPr>
-          <p:cNvPr id="31" name="TextBox 30">
-            <a:extLst>
-              <a:ext uri="{FF2B5EF4-FFF2-40B4-BE49-F238E27FC236}">
-                <a16:creationId xmlns:a16="http://schemas.microsoft.com/office/drawing/2014/main" id="{2F8E7E26-0711-CCC7-93EF-287C44E8282A}"/>
-              </a:ext>
-            </a:extLst>
-          </p:cNvPr>
-          <p:cNvSpPr txBox="1"/>
-          <p:nvPr/>
-        </p:nvSpPr>
-        <p:spPr>
-          <a:xfrm>
-            <a:off x="5652887" y="5605050"/>
-            <a:ext cx="1313937" cy="338554"/>
-          </a:xfrm>
-          <a:prstGeom prst="rect">
-            <a:avLst/>
-          </a:prstGeom>
-          <a:noFill/>
-        </p:spPr>
-        <p:txBody>
-          <a:bodyPr wrap="square" rtlCol="0">
-            <a:spAutoFit/>
-          </a:bodyPr>
-          <a:lstStyle/>
-          <a:p>
-            <a:pPr algn="ctr"/>
-            <a:r>
-              <a:rPr lang="en-US" altLang="ko-KR" sz="1600" dirty="0" err="1"/>
-              <a:t>goal_pos</a:t>
-            </a:r>
-            <a:endParaRPr lang="ko-KR" altLang="en-US" sz="1600" dirty="0"/>
-          </a:p>
-        </p:txBody>
-      </p:sp>
-      <p:sp>
-        <p:nvSpPr>
-          <p:cNvPr id="32" name="순서도: 대체 처리 31">
-            <a:extLst>
-              <a:ext uri="{FF2B5EF4-FFF2-40B4-BE49-F238E27FC236}">
-                <a16:creationId xmlns:a16="http://schemas.microsoft.com/office/drawing/2014/main" id="{B8236989-B09D-7E03-0591-773971579E6B}"/>
-              </a:ext>
-            </a:extLst>
-          </p:cNvPr>
-          <p:cNvSpPr/>
-          <p:nvPr/>
-        </p:nvSpPr>
-        <p:spPr>
-          <a:xfrm>
-            <a:off x="6838237" y="4730701"/>
+            <a:off x="7285859" y="4730701"/>
             <a:ext cx="1313937" cy="1606612"/>
           </a:xfrm>
           <a:prstGeom prst="flowChartAlternateProcess">
@@ -4029,8 +3944,8 @@
         </p:nvSpPr>
         <p:spPr>
           <a:xfrm>
-            <a:off x="2833244" y="5840371"/>
-            <a:ext cx="1634325" cy="218598"/>
+            <a:off x="2833245" y="5840371"/>
+            <a:ext cx="481335" cy="218598"/>
           </a:xfrm>
           <a:prstGeom prst="rightArrow">
             <a:avLst/>
@@ -4084,7 +3999,7 @@
         </p:nvSpPr>
         <p:spPr>
           <a:xfrm>
-            <a:off x="8322165" y="3400179"/>
+            <a:off x="8769787" y="3400179"/>
             <a:ext cx="550221" cy="218598"/>
           </a:xfrm>
           <a:prstGeom prst="rightArrow">
@@ -4136,7 +4051,7 @@
         </p:nvSpPr>
         <p:spPr>
           <a:xfrm>
-            <a:off x="9015398" y="3157131"/>
+            <a:off x="9463020" y="3157131"/>
             <a:ext cx="1210965" cy="697666"/>
           </a:xfrm>
           <a:prstGeom prst="flowChartAlternateProcess">
@@ -4275,7 +4190,7 @@
         </p:nvSpPr>
         <p:spPr>
           <a:xfrm>
-            <a:off x="6838237" y="2659590"/>
+            <a:off x="7285859" y="2659590"/>
             <a:ext cx="1313937" cy="1677270"/>
           </a:xfrm>
           <a:prstGeom prst="flowChartAlternateProcess">
@@ -4669,7 +4584,7 @@
         <p:spPr>
           <a:xfrm>
             <a:off x="2677009" y="4959633"/>
-            <a:ext cx="1790559" cy="218598"/>
+            <a:ext cx="2340088" cy="218598"/>
           </a:xfrm>
           <a:prstGeom prst="rightArrow">
             <a:avLst/>
@@ -4757,7 +4672,7 @@
         </p:nvSpPr>
         <p:spPr>
           <a:xfrm>
-            <a:off x="5986609" y="5424708"/>
+            <a:off x="6396200" y="5424708"/>
             <a:ext cx="646495" cy="218598"/>
           </a:xfrm>
           <a:prstGeom prst="rightArrow">
@@ -4809,7 +4724,7 @@
         </p:nvSpPr>
         <p:spPr>
           <a:xfrm>
-            <a:off x="5995534" y="4959633"/>
+            <a:off x="6405125" y="4959633"/>
             <a:ext cx="637570" cy="218598"/>
           </a:xfrm>
           <a:prstGeom prst="rightArrow">
@@ -4898,7 +4813,7 @@
         </p:nvSpPr>
         <p:spPr>
           <a:xfrm>
-            <a:off x="9042380" y="5131642"/>
+            <a:off x="9490002" y="5131642"/>
             <a:ext cx="1210965" cy="697666"/>
           </a:xfrm>
           <a:prstGeom prst="flowChartAlternateProcess">
@@ -4945,7 +4860,7 @@
         </p:nvSpPr>
         <p:spPr>
           <a:xfrm>
-            <a:off x="8322165" y="5371176"/>
+            <a:off x="8769787" y="5371176"/>
             <a:ext cx="550221" cy="218598"/>
           </a:xfrm>
           <a:prstGeom prst="rightArrow">
@@ -4997,8 +4912,8 @@
         </p:nvSpPr>
         <p:spPr>
           <a:xfrm rot="5400000">
-            <a:off x="4043522" y="-528237"/>
-            <a:ext cx="104456" cy="4000501"/>
+            <a:off x="4248317" y="-733032"/>
+            <a:ext cx="104456" cy="4410092"/>
           </a:xfrm>
           <a:prstGeom prst="rect">
             <a:avLst/>
@@ -5035,10 +4950,249 @@
           </a:p>
         </p:txBody>
       </p:sp>
+      <p:sp>
+        <p:nvSpPr>
+          <p:cNvPr id="11" name="순서도: 대체 처리 10">
+            <a:extLst>
+              <a:ext uri="{FF2B5EF4-FFF2-40B4-BE49-F238E27FC236}">
+                <a16:creationId xmlns:a16="http://schemas.microsoft.com/office/drawing/2014/main" id="{15767EF7-4E75-2B37-480D-6229B54265EC}"/>
+              </a:ext>
+            </a:extLst>
+          </p:cNvPr>
+          <p:cNvSpPr/>
+          <p:nvPr/>
+        </p:nvSpPr>
+        <p:spPr>
+          <a:xfrm>
+            <a:off x="3335798" y="5581510"/>
+            <a:ext cx="1313937" cy="697666"/>
+          </a:xfrm>
+          <a:prstGeom prst="flowChartAlternateProcess">
+            <a:avLst/>
+          </a:prstGeom>
+        </p:spPr>
+        <p:style>
+          <a:lnRef idx="0">
+            <a:schemeClr val="accent1"/>
+          </a:lnRef>
+          <a:fillRef idx="3">
+            <a:schemeClr val="accent1"/>
+          </a:fillRef>
+          <a:effectRef idx="3">
+            <a:schemeClr val="accent1"/>
+          </a:effectRef>
+          <a:fontRef idx="minor">
+            <a:schemeClr val="lt1"/>
+          </a:fontRef>
+        </p:style>
+        <p:txBody>
+          <a:bodyPr rtlCol="0" anchor="ctr"/>
+          <a:lstStyle/>
+          <a:p>
+            <a:pPr algn="ctr"/>
+            <a:r>
+              <a:rPr lang="en-US" altLang="ko-KR" sz="1200" b="1" dirty="0"/>
+              <a:t>Skeleton</a:t>
+            </a:r>
+          </a:p>
+          <a:p>
+            <a:pPr algn="ctr"/>
+            <a:r>
+              <a:rPr lang="en-US" altLang="ko-KR" sz="1200" b="1" dirty="0"/>
+              <a:t>Detection</a:t>
+            </a:r>
+            <a:endParaRPr lang="ko-KR" altLang="en-US" sz="1200" b="1" dirty="0"/>
+          </a:p>
+        </p:txBody>
+      </p:sp>
+      <p:sp>
+        <p:nvSpPr>
+          <p:cNvPr id="13" name="순서도: 대체 처리 12">
+            <a:extLst>
+              <a:ext uri="{FF2B5EF4-FFF2-40B4-BE49-F238E27FC236}">
+                <a16:creationId xmlns:a16="http://schemas.microsoft.com/office/drawing/2014/main" id="{8EA023DF-470B-7539-18BB-7B888B92243D}"/>
+              </a:ext>
+            </a:extLst>
+          </p:cNvPr>
+          <p:cNvSpPr/>
+          <p:nvPr/>
+        </p:nvSpPr>
+        <p:spPr>
+          <a:xfrm>
+            <a:off x="5088693" y="4760398"/>
+            <a:ext cx="1085100" cy="1518777"/>
+          </a:xfrm>
+          <a:prstGeom prst="flowChartAlternateProcess">
+            <a:avLst/>
+          </a:prstGeom>
+        </p:spPr>
+        <p:style>
+          <a:lnRef idx="0">
+            <a:schemeClr val="accent1"/>
+          </a:lnRef>
+          <a:fillRef idx="3">
+            <a:schemeClr val="accent1"/>
+          </a:fillRef>
+          <a:effectRef idx="3">
+            <a:schemeClr val="accent1"/>
+          </a:effectRef>
+          <a:fontRef idx="minor">
+            <a:schemeClr val="lt1"/>
+          </a:fontRef>
+        </p:style>
+        <p:txBody>
+          <a:bodyPr rtlCol="0" anchor="ctr"/>
+          <a:lstStyle/>
+          <a:p>
+            <a:pPr algn="ctr"/>
+            <a:r>
+              <a:rPr lang="en-US" altLang="ko-KR" sz="1200" b="1" dirty="0"/>
+              <a:t>Joint Of Human Decide</a:t>
+            </a:r>
+          </a:p>
+          <a:p>
+            <a:pPr algn="ctr"/>
+            <a:r>
+              <a:rPr lang="en-US" altLang="ko-KR" sz="1200" b="1" dirty="0"/>
+              <a:t>(Manually)</a:t>
+            </a:r>
+            <a:endParaRPr lang="ko-KR" altLang="en-US" sz="1200" b="1" dirty="0"/>
+          </a:p>
+        </p:txBody>
+      </p:sp>
+      <p:sp>
+        <p:nvSpPr>
+          <p:cNvPr id="14" name="화살표: 오른쪽 13">
+            <a:extLst>
+              <a:ext uri="{FF2B5EF4-FFF2-40B4-BE49-F238E27FC236}">
+                <a16:creationId xmlns:a16="http://schemas.microsoft.com/office/drawing/2014/main" id="{9FF5B9E5-30A4-5077-5E19-972D77154AA0}"/>
+              </a:ext>
+            </a:extLst>
+          </p:cNvPr>
+          <p:cNvSpPr/>
+          <p:nvPr/>
+        </p:nvSpPr>
+        <p:spPr>
+          <a:xfrm>
+            <a:off x="4704022" y="5840371"/>
+            <a:ext cx="313075" cy="218598"/>
+          </a:xfrm>
+          <a:prstGeom prst="rightArrow">
+            <a:avLst/>
+          </a:prstGeom>
+          <a:solidFill>
+            <a:schemeClr val="tx1">
+              <a:lumMod val="50000"/>
+              <a:lumOff val="50000"/>
+            </a:schemeClr>
+          </a:solidFill>
+          <a:ln>
+            <a:noFill/>
+          </a:ln>
+        </p:spPr>
+        <p:style>
+          <a:lnRef idx="2">
+            <a:schemeClr val="accent1">
+              <a:shade val="15000"/>
+            </a:schemeClr>
+          </a:lnRef>
+          <a:fillRef idx="1">
+            <a:schemeClr val="accent1"/>
+          </a:fillRef>
+          <a:effectRef idx="0">
+            <a:schemeClr val="accent1"/>
+          </a:effectRef>
+          <a:fontRef idx="minor">
+            <a:schemeClr val="lt1"/>
+          </a:fontRef>
+        </p:style>
+        <p:txBody>
+          <a:bodyPr rtlCol="0" anchor="ctr"/>
+          <a:lstStyle/>
+          <a:p>
+            <a:pPr algn="ctr"/>
+            <a:endParaRPr lang="ko-KR" altLang="en-US" dirty="0"/>
+          </a:p>
+        </p:txBody>
+      </p:sp>
+      <p:sp>
+        <p:nvSpPr>
+          <p:cNvPr id="15" name="TextBox 14">
+            <a:extLst>
+              <a:ext uri="{FF2B5EF4-FFF2-40B4-BE49-F238E27FC236}">
+                <a16:creationId xmlns:a16="http://schemas.microsoft.com/office/drawing/2014/main" id="{2EE3E00F-4E2C-F5FF-616C-7B6C74FEF58E}"/>
+              </a:ext>
+            </a:extLst>
+          </p:cNvPr>
+          <p:cNvSpPr txBox="1"/>
+          <p:nvPr/>
+        </p:nvSpPr>
+        <p:spPr>
+          <a:xfrm>
+            <a:off x="4036035" y="6279175"/>
+            <a:ext cx="1686712" cy="307777"/>
+          </a:xfrm>
+          <a:prstGeom prst="rect">
+            <a:avLst/>
+          </a:prstGeom>
+          <a:noFill/>
+        </p:spPr>
+        <p:txBody>
+          <a:bodyPr wrap="square" rtlCol="0">
+            <a:spAutoFit/>
+          </a:bodyPr>
+          <a:lstStyle/>
+          <a:p>
+            <a:pPr algn="ctr"/>
+            <a:r>
+              <a:rPr lang="en-US" altLang="ko-KR" sz="1400" dirty="0" err="1"/>
+              <a:t>human_Joint_info</a:t>
+            </a:r>
+            <a:endParaRPr lang="en-US" altLang="ko-KR" sz="1400" dirty="0"/>
+          </a:p>
+        </p:txBody>
+      </p:sp>
+      <p:sp>
+        <p:nvSpPr>
+          <p:cNvPr id="31" name="TextBox 30">
+            <a:extLst>
+              <a:ext uri="{FF2B5EF4-FFF2-40B4-BE49-F238E27FC236}">
+                <a16:creationId xmlns:a16="http://schemas.microsoft.com/office/drawing/2014/main" id="{2F8E7E26-0711-CCC7-93EF-287C44E8282A}"/>
+              </a:ext>
+            </a:extLst>
+          </p:cNvPr>
+          <p:cNvSpPr txBox="1"/>
+          <p:nvPr/>
+        </p:nvSpPr>
+        <p:spPr>
+          <a:xfrm>
+            <a:off x="6028932" y="5605050"/>
+            <a:ext cx="1313937" cy="338554"/>
+          </a:xfrm>
+          <a:prstGeom prst="rect">
+            <a:avLst/>
+          </a:prstGeom>
+          <a:noFill/>
+        </p:spPr>
+        <p:txBody>
+          <a:bodyPr wrap="square" rtlCol="0">
+            <a:spAutoFit/>
+          </a:bodyPr>
+          <a:lstStyle/>
+          <a:p>
+            <a:pPr algn="ctr"/>
+            <a:r>
+              <a:rPr lang="en-US" altLang="ko-KR" sz="1600" dirty="0" err="1"/>
+              <a:t>goal_pos</a:t>
+            </a:r>
+            <a:endParaRPr lang="ko-KR" altLang="en-US" sz="1600" dirty="0"/>
+          </a:p>
+        </p:txBody>
+      </p:sp>
     </p:spTree>
     <p:extLst>
       <p:ext uri="{BB962C8B-B14F-4D97-AF65-F5344CB8AC3E}">
-        <p14:creationId xmlns:p14="http://schemas.microsoft.com/office/powerpoint/2010/main" val="1503104568"/>
+        <p14:creationId xmlns:p14="http://schemas.microsoft.com/office/powerpoint/2010/main" val="188134434"/>
       </p:ext>
     </p:extLst>
   </p:cSld>
@@ -6782,106 +6936,6 @@
       </p:sp>
       <p:sp>
         <p:nvSpPr>
-          <p:cNvPr id="2" name="사각형: 둥근 모서리 1">
-            <a:extLst>
-              <a:ext uri="{FF2B5EF4-FFF2-40B4-BE49-F238E27FC236}">
-                <a16:creationId xmlns:a16="http://schemas.microsoft.com/office/drawing/2014/main" id="{D6738BC4-147C-AC0D-AB59-7E99E3179D87}"/>
-              </a:ext>
-            </a:extLst>
-          </p:cNvPr>
-          <p:cNvSpPr/>
-          <p:nvPr/>
-        </p:nvSpPr>
-        <p:spPr>
-          <a:xfrm>
-            <a:off x="3096337" y="4697669"/>
-            <a:ext cx="8743237" cy="2125498"/>
-          </a:xfrm>
-          <a:prstGeom prst="roundRect">
-            <a:avLst>
-              <a:gd name="adj" fmla="val 7021"/>
-            </a:avLst>
-          </a:prstGeom>
-          <a:noFill/>
-          <a:ln w="28575">
-            <a:solidFill>
-              <a:schemeClr val="accent5"/>
-            </a:solidFill>
-            <a:prstDash val="sysDash"/>
-          </a:ln>
-        </p:spPr>
-        <p:style>
-          <a:lnRef idx="2">
-            <a:schemeClr val="accent1">
-              <a:shade val="15000"/>
-            </a:schemeClr>
-          </a:lnRef>
-          <a:fillRef idx="1">
-            <a:schemeClr val="accent1"/>
-          </a:fillRef>
-          <a:effectRef idx="0">
-            <a:schemeClr val="accent1"/>
-          </a:effectRef>
-          <a:fontRef idx="minor">
-            <a:schemeClr val="lt1"/>
-          </a:fontRef>
-        </p:style>
-        <p:txBody>
-          <a:bodyPr rtlCol="0" anchor="ctr"/>
-          <a:lstStyle/>
-          <a:p>
-            <a:pPr algn="ctr"/>
-            <a:endParaRPr lang="ko-KR" altLang="en-US" dirty="0"/>
-          </a:p>
-        </p:txBody>
-      </p:sp>
-      <p:sp>
-        <p:nvSpPr>
-          <p:cNvPr id="5" name="TextBox 4">
-            <a:extLst>
-              <a:ext uri="{FF2B5EF4-FFF2-40B4-BE49-F238E27FC236}">
-                <a16:creationId xmlns:a16="http://schemas.microsoft.com/office/drawing/2014/main" id="{C61AF10B-722E-0199-596D-18B2655B2D3E}"/>
-              </a:ext>
-            </a:extLst>
-          </p:cNvPr>
-          <p:cNvSpPr txBox="1"/>
-          <p:nvPr/>
-        </p:nvSpPr>
-        <p:spPr>
-          <a:xfrm>
-            <a:off x="8691764" y="6337313"/>
-            <a:ext cx="3114096" cy="400110"/>
-          </a:xfrm>
-          <a:prstGeom prst="rect">
-            <a:avLst/>
-          </a:prstGeom>
-          <a:noFill/>
-        </p:spPr>
-        <p:txBody>
-          <a:bodyPr wrap="square" rtlCol="0">
-            <a:spAutoFit/>
-          </a:bodyPr>
-          <a:lstStyle/>
-          <a:p>
-            <a:pPr algn="r"/>
-            <a:r>
-              <a:rPr lang="en-US" altLang="ko-KR" sz="2000" b="1" dirty="0">
-                <a:solidFill>
-                  <a:schemeClr val="accent1"/>
-                </a:solidFill>
-              </a:rPr>
-              <a:t>Goal Motion</a:t>
-            </a:r>
-            <a:endParaRPr lang="ko-KR" altLang="en-US" sz="2000" b="1" dirty="0">
-              <a:solidFill>
-                <a:schemeClr val="accent1"/>
-              </a:solidFill>
-            </a:endParaRPr>
-          </a:p>
-        </p:txBody>
-      </p:sp>
-      <p:sp>
-        <p:nvSpPr>
           <p:cNvPr id="7" name="사각형: 둥근 모서리 6">
             <a:extLst>
               <a:ext uri="{FF2B5EF4-FFF2-40B4-BE49-F238E27FC236}">
@@ -7222,7 +7276,7 @@
     </p:spTree>
     <p:extLst>
       <p:ext uri="{BB962C8B-B14F-4D97-AF65-F5344CB8AC3E}">
-        <p14:creationId xmlns:p14="http://schemas.microsoft.com/office/powerpoint/2010/main" val="188134434"/>
+        <p14:creationId xmlns:p14="http://schemas.microsoft.com/office/powerpoint/2010/main" val="4144463003"/>
       </p:ext>
     </p:extLst>
   </p:cSld>
@@ -7263,7 +7317,7 @@
         </p:nvSpPr>
         <p:spPr>
           <a:xfrm>
-            <a:off x="5991543" y="1503452"/>
+            <a:off x="6401134" y="1503452"/>
             <a:ext cx="104456" cy="3587690"/>
           </a:xfrm>
           <a:prstGeom prst="rect">
@@ -7512,7 +7566,7 @@
                   <a:schemeClr val="tx1"/>
                 </a:solidFill>
               </a:rPr>
-              <a:t>Target</a:t>
+              <a:t>Instruction</a:t>
             </a:r>
           </a:p>
           <a:p>
@@ -7523,7 +7577,7 @@
                   <a:schemeClr val="tx1"/>
                 </a:solidFill>
               </a:rPr>
-              <a:t>Task</a:t>
+              <a:t>Goal Point</a:t>
             </a:r>
           </a:p>
           <a:p>
@@ -7726,7 +7780,7 @@
                   <a:schemeClr val="tx1"/>
                 </a:solidFill>
               </a:rPr>
-              <a:t>(RGB)</a:t>
+              <a:t>(RGBD)</a:t>
             </a:r>
             <a:endParaRPr lang="ko-KR" altLang="en-US" sz="1200" b="1" dirty="0">
               <a:solidFill>
@@ -7738,10 +7792,10 @@
       </p:sp>
       <p:sp>
         <p:nvSpPr>
-          <p:cNvPr id="29" name="순서도: 대체 처리 28">
-            <a:extLst>
-              <a:ext uri="{FF2B5EF4-FFF2-40B4-BE49-F238E27FC236}">
-                <a16:creationId xmlns:a16="http://schemas.microsoft.com/office/drawing/2014/main" id="{E0A7C13D-EAAF-AFA7-8797-A3FADDDF68F2}"/>
+          <p:cNvPr id="32" name="순서도: 대체 처리 31">
+            <a:extLst>
+              <a:ext uri="{FF2B5EF4-FFF2-40B4-BE49-F238E27FC236}">
+                <a16:creationId xmlns:a16="http://schemas.microsoft.com/office/drawing/2014/main" id="{B8236989-B09D-7E03-0591-773971579E6B}"/>
               </a:ext>
             </a:extLst>
           </p:cNvPr>
@@ -7750,98 +7804,7 @@
         </p:nvSpPr>
         <p:spPr>
           <a:xfrm>
-            <a:off x="4514372" y="4760399"/>
-            <a:ext cx="1313937" cy="1606613"/>
-          </a:xfrm>
-          <a:prstGeom prst="flowChartAlternateProcess">
-            <a:avLst/>
-          </a:prstGeom>
-        </p:spPr>
-        <p:style>
-          <a:lnRef idx="0">
-            <a:schemeClr val="accent1"/>
-          </a:lnRef>
-          <a:fillRef idx="3">
-            <a:schemeClr val="accent1"/>
-          </a:fillRef>
-          <a:effectRef idx="3">
-            <a:schemeClr val="accent1"/>
-          </a:effectRef>
-          <a:fontRef idx="minor">
-            <a:schemeClr val="lt1"/>
-          </a:fontRef>
-        </p:style>
-        <p:txBody>
-          <a:bodyPr rtlCol="0" anchor="ctr"/>
-          <a:lstStyle/>
-          <a:p>
-            <a:pPr algn="ctr"/>
-            <a:r>
-              <a:rPr lang="en-US" altLang="ko-KR" sz="1200" b="1" dirty="0"/>
-              <a:t>Skeleton</a:t>
-            </a:r>
-          </a:p>
-          <a:p>
-            <a:pPr algn="ctr"/>
-            <a:r>
-              <a:rPr lang="en-US" altLang="ko-KR" sz="1200" b="1" dirty="0"/>
-              <a:t>Detection</a:t>
-            </a:r>
-          </a:p>
-        </p:txBody>
-      </p:sp>
-      <p:sp>
-        <p:nvSpPr>
-          <p:cNvPr id="31" name="TextBox 30">
-            <a:extLst>
-              <a:ext uri="{FF2B5EF4-FFF2-40B4-BE49-F238E27FC236}">
-                <a16:creationId xmlns:a16="http://schemas.microsoft.com/office/drawing/2014/main" id="{2F8E7E26-0711-CCC7-93EF-287C44E8282A}"/>
-              </a:ext>
-            </a:extLst>
-          </p:cNvPr>
-          <p:cNvSpPr txBox="1"/>
-          <p:nvPr/>
-        </p:nvSpPr>
-        <p:spPr>
-          <a:xfrm>
-            <a:off x="5652887" y="5605050"/>
-            <a:ext cx="1313937" cy="338554"/>
-          </a:xfrm>
-          <a:prstGeom prst="rect">
-            <a:avLst/>
-          </a:prstGeom>
-          <a:noFill/>
-        </p:spPr>
-        <p:txBody>
-          <a:bodyPr wrap="square" rtlCol="0">
-            <a:spAutoFit/>
-          </a:bodyPr>
-          <a:lstStyle/>
-          <a:p>
-            <a:pPr algn="ctr"/>
-            <a:r>
-              <a:rPr lang="en-US" altLang="ko-KR" sz="1600" dirty="0" err="1"/>
-              <a:t>goal_pos</a:t>
-            </a:r>
-            <a:endParaRPr lang="ko-KR" altLang="en-US" sz="1600" dirty="0"/>
-          </a:p>
-        </p:txBody>
-      </p:sp>
-      <p:sp>
-        <p:nvSpPr>
-          <p:cNvPr id="32" name="순서도: 대체 처리 31">
-            <a:extLst>
-              <a:ext uri="{FF2B5EF4-FFF2-40B4-BE49-F238E27FC236}">
-                <a16:creationId xmlns:a16="http://schemas.microsoft.com/office/drawing/2014/main" id="{B8236989-B09D-7E03-0591-773971579E6B}"/>
-              </a:ext>
-            </a:extLst>
-          </p:cNvPr>
-          <p:cNvSpPr/>
-          <p:nvPr/>
-        </p:nvSpPr>
-        <p:spPr>
-          <a:xfrm>
-            <a:off x="6838237" y="4730701"/>
+            <a:off x="7285859" y="4730701"/>
             <a:ext cx="1313937" cy="1606612"/>
           </a:xfrm>
           <a:prstGeom prst="flowChartAlternateProcess">
@@ -7949,8 +7912,8 @@
         </p:nvSpPr>
         <p:spPr>
           <a:xfrm>
-            <a:off x="2833244" y="5840371"/>
-            <a:ext cx="1634325" cy="218598"/>
+            <a:off x="2833245" y="5840371"/>
+            <a:ext cx="481335" cy="218598"/>
           </a:xfrm>
           <a:prstGeom prst="rightArrow">
             <a:avLst/>
@@ -8004,7 +7967,7 @@
         </p:nvSpPr>
         <p:spPr>
           <a:xfrm>
-            <a:off x="8322165" y="3400179"/>
+            <a:off x="8769787" y="3400179"/>
             <a:ext cx="550221" cy="218598"/>
           </a:xfrm>
           <a:prstGeom prst="rightArrow">
@@ -8056,7 +8019,7 @@
         </p:nvSpPr>
         <p:spPr>
           <a:xfrm>
-            <a:off x="9015398" y="3157131"/>
+            <a:off x="9463020" y="3157131"/>
             <a:ext cx="1210965" cy="697666"/>
           </a:xfrm>
           <a:prstGeom prst="flowChartAlternateProcess">
@@ -8195,7 +8158,7 @@
         </p:nvSpPr>
         <p:spPr>
           <a:xfrm>
-            <a:off x="6838237" y="2659590"/>
+            <a:off x="7285859" y="2659590"/>
             <a:ext cx="1313937" cy="1677270"/>
           </a:xfrm>
           <a:prstGeom prst="flowChartAlternateProcess">
@@ -8589,7 +8552,7 @@
         <p:spPr>
           <a:xfrm>
             <a:off x="2677009" y="4959633"/>
-            <a:ext cx="1790559" cy="218598"/>
+            <a:ext cx="2340088" cy="218598"/>
           </a:xfrm>
           <a:prstGeom prst="rightArrow">
             <a:avLst/>
@@ -8677,7 +8640,7 @@
         </p:nvSpPr>
         <p:spPr>
           <a:xfrm>
-            <a:off x="5986609" y="5424708"/>
+            <a:off x="6396200" y="5424708"/>
             <a:ext cx="646495" cy="218598"/>
           </a:xfrm>
           <a:prstGeom prst="rightArrow">
@@ -8729,7 +8692,7 @@
         </p:nvSpPr>
         <p:spPr>
           <a:xfrm>
-            <a:off x="5995534" y="4959633"/>
+            <a:off x="6405125" y="4959633"/>
             <a:ext cx="637570" cy="218598"/>
           </a:xfrm>
           <a:prstGeom prst="rightArrow">
@@ -8818,7 +8781,7 @@
         </p:nvSpPr>
         <p:spPr>
           <a:xfrm>
-            <a:off x="9042380" y="5131642"/>
+            <a:off x="9490002" y="5131642"/>
             <a:ext cx="1210965" cy="697666"/>
           </a:xfrm>
           <a:prstGeom prst="flowChartAlternateProcess">
@@ -8865,6 +8828,2281 @@
         </p:nvSpPr>
         <p:spPr>
           <a:xfrm>
+            <a:off x="8769787" y="5371176"/>
+            <a:ext cx="550221" cy="218598"/>
+          </a:xfrm>
+          <a:prstGeom prst="rightArrow">
+            <a:avLst/>
+          </a:prstGeom>
+          <a:solidFill>
+            <a:schemeClr val="tx1"/>
+          </a:solidFill>
+          <a:ln>
+            <a:noFill/>
+          </a:ln>
+        </p:spPr>
+        <p:style>
+          <a:lnRef idx="2">
+            <a:schemeClr val="accent1">
+              <a:shade val="15000"/>
+            </a:schemeClr>
+          </a:lnRef>
+          <a:fillRef idx="1">
+            <a:schemeClr val="accent1"/>
+          </a:fillRef>
+          <a:effectRef idx="0">
+            <a:schemeClr val="accent1"/>
+          </a:effectRef>
+          <a:fontRef idx="minor">
+            <a:schemeClr val="lt1"/>
+          </a:fontRef>
+        </p:style>
+        <p:txBody>
+          <a:bodyPr rtlCol="0" anchor="ctr"/>
+          <a:lstStyle/>
+          <a:p>
+            <a:pPr algn="ctr"/>
+            <a:endParaRPr lang="ko-KR" altLang="en-US" dirty="0"/>
+          </a:p>
+        </p:txBody>
+      </p:sp>
+      <p:sp>
+        <p:nvSpPr>
+          <p:cNvPr id="1043" name="직사각형 1042">
+            <a:extLst>
+              <a:ext uri="{FF2B5EF4-FFF2-40B4-BE49-F238E27FC236}">
+                <a16:creationId xmlns:a16="http://schemas.microsoft.com/office/drawing/2014/main" id="{6EF17950-6A34-D5EC-D7D3-98ACD7607B44}"/>
+              </a:ext>
+            </a:extLst>
+          </p:cNvPr>
+          <p:cNvSpPr/>
+          <p:nvPr/>
+        </p:nvSpPr>
+        <p:spPr>
+          <a:xfrm rot="5400000">
+            <a:off x="4248317" y="-733032"/>
+            <a:ext cx="104456" cy="4410092"/>
+          </a:xfrm>
+          <a:prstGeom prst="rect">
+            <a:avLst/>
+          </a:prstGeom>
+          <a:solidFill>
+            <a:schemeClr val="accent4"/>
+          </a:solidFill>
+          <a:ln>
+            <a:noFill/>
+          </a:ln>
+        </p:spPr>
+        <p:style>
+          <a:lnRef idx="2">
+            <a:schemeClr val="accent1">
+              <a:shade val="15000"/>
+            </a:schemeClr>
+          </a:lnRef>
+          <a:fillRef idx="1">
+            <a:schemeClr val="accent1"/>
+          </a:fillRef>
+          <a:effectRef idx="0">
+            <a:schemeClr val="accent1"/>
+          </a:effectRef>
+          <a:fontRef idx="minor">
+            <a:schemeClr val="lt1"/>
+          </a:fontRef>
+        </p:style>
+        <p:txBody>
+          <a:bodyPr rtlCol="0" anchor="ctr"/>
+          <a:lstStyle/>
+          <a:p>
+            <a:pPr algn="ctr"/>
+            <a:endParaRPr lang="ko-KR" altLang="en-US" dirty="0"/>
+          </a:p>
+        </p:txBody>
+      </p:sp>
+      <p:sp>
+        <p:nvSpPr>
+          <p:cNvPr id="3" name="사각형: 둥근 모서리 2">
+            <a:extLst>
+              <a:ext uri="{FF2B5EF4-FFF2-40B4-BE49-F238E27FC236}">
+                <a16:creationId xmlns:a16="http://schemas.microsoft.com/office/drawing/2014/main" id="{998E95F7-FE18-76CA-54D6-70FA48945D96}"/>
+              </a:ext>
+            </a:extLst>
+          </p:cNvPr>
+          <p:cNvSpPr/>
+          <p:nvPr/>
+        </p:nvSpPr>
+        <p:spPr>
+          <a:xfrm>
+            <a:off x="3096338" y="71881"/>
+            <a:ext cx="8743236" cy="4571731"/>
+          </a:xfrm>
+          <a:prstGeom prst="roundRect">
+            <a:avLst>
+              <a:gd name="adj" fmla="val 7021"/>
+            </a:avLst>
+          </a:prstGeom>
+          <a:noFill/>
+          <a:ln w="28575">
+            <a:solidFill>
+              <a:srgbClr val="FF0000"/>
+            </a:solidFill>
+            <a:prstDash val="sysDash"/>
+          </a:ln>
+        </p:spPr>
+        <p:style>
+          <a:lnRef idx="2">
+            <a:schemeClr val="accent1">
+              <a:shade val="15000"/>
+            </a:schemeClr>
+          </a:lnRef>
+          <a:fillRef idx="1">
+            <a:schemeClr val="accent1"/>
+          </a:fillRef>
+          <a:effectRef idx="0">
+            <a:schemeClr val="accent1"/>
+          </a:effectRef>
+          <a:fontRef idx="minor">
+            <a:schemeClr val="lt1"/>
+          </a:fontRef>
+        </p:style>
+        <p:txBody>
+          <a:bodyPr rtlCol="0" anchor="ctr"/>
+          <a:lstStyle/>
+          <a:p>
+            <a:pPr algn="ctr"/>
+            <a:endParaRPr lang="ko-KR" altLang="en-US" dirty="0"/>
+          </a:p>
+        </p:txBody>
+      </p:sp>
+      <p:sp>
+        <p:nvSpPr>
+          <p:cNvPr id="4" name="TextBox 3">
+            <a:extLst>
+              <a:ext uri="{FF2B5EF4-FFF2-40B4-BE49-F238E27FC236}">
+                <a16:creationId xmlns:a16="http://schemas.microsoft.com/office/drawing/2014/main" id="{6CEA493B-0EB2-F839-61AC-3521E2BB773C}"/>
+              </a:ext>
+            </a:extLst>
+          </p:cNvPr>
+          <p:cNvSpPr txBox="1"/>
+          <p:nvPr/>
+        </p:nvSpPr>
+        <p:spPr>
+          <a:xfrm>
+            <a:off x="8691764" y="138190"/>
+            <a:ext cx="3114096" cy="400110"/>
+          </a:xfrm>
+          <a:prstGeom prst="rect">
+            <a:avLst/>
+          </a:prstGeom>
+          <a:noFill/>
+        </p:spPr>
+        <p:txBody>
+          <a:bodyPr wrap="square" rtlCol="0">
+            <a:spAutoFit/>
+          </a:bodyPr>
+          <a:lstStyle/>
+          <a:p>
+            <a:pPr algn="r"/>
+            <a:r>
+              <a:rPr lang="en-US" altLang="ko-KR" sz="2000" b="1" dirty="0">
+                <a:solidFill>
+                  <a:srgbClr val="FF0000"/>
+                </a:solidFill>
+              </a:rPr>
+              <a:t>Pick Motion</a:t>
+            </a:r>
+            <a:endParaRPr lang="ko-KR" altLang="en-US" sz="2000" b="1" dirty="0">
+              <a:solidFill>
+                <a:srgbClr val="FF0000"/>
+              </a:solidFill>
+            </a:endParaRPr>
+          </a:p>
+        </p:txBody>
+      </p:sp>
+      <p:sp>
+        <p:nvSpPr>
+          <p:cNvPr id="2" name="사각형: 둥근 모서리 1">
+            <a:extLst>
+              <a:ext uri="{FF2B5EF4-FFF2-40B4-BE49-F238E27FC236}">
+                <a16:creationId xmlns:a16="http://schemas.microsoft.com/office/drawing/2014/main" id="{D6738BC4-147C-AC0D-AB59-7E99E3179D87}"/>
+              </a:ext>
+            </a:extLst>
+          </p:cNvPr>
+          <p:cNvSpPr/>
+          <p:nvPr/>
+        </p:nvSpPr>
+        <p:spPr>
+          <a:xfrm>
+            <a:off x="3096337" y="4697669"/>
+            <a:ext cx="8743237" cy="2125498"/>
+          </a:xfrm>
+          <a:prstGeom prst="roundRect">
+            <a:avLst>
+              <a:gd name="adj" fmla="val 7021"/>
+            </a:avLst>
+          </a:prstGeom>
+          <a:noFill/>
+          <a:ln w="28575">
+            <a:solidFill>
+              <a:schemeClr val="accent5"/>
+            </a:solidFill>
+            <a:prstDash val="sysDash"/>
+          </a:ln>
+        </p:spPr>
+        <p:style>
+          <a:lnRef idx="2">
+            <a:schemeClr val="accent1">
+              <a:shade val="15000"/>
+            </a:schemeClr>
+          </a:lnRef>
+          <a:fillRef idx="1">
+            <a:schemeClr val="accent1"/>
+          </a:fillRef>
+          <a:effectRef idx="0">
+            <a:schemeClr val="accent1"/>
+          </a:effectRef>
+          <a:fontRef idx="minor">
+            <a:schemeClr val="lt1"/>
+          </a:fontRef>
+        </p:style>
+        <p:txBody>
+          <a:bodyPr rtlCol="0" anchor="ctr"/>
+          <a:lstStyle/>
+          <a:p>
+            <a:pPr algn="ctr"/>
+            <a:endParaRPr lang="ko-KR" altLang="en-US" dirty="0"/>
+          </a:p>
+        </p:txBody>
+      </p:sp>
+      <p:sp>
+        <p:nvSpPr>
+          <p:cNvPr id="5" name="TextBox 4">
+            <a:extLst>
+              <a:ext uri="{FF2B5EF4-FFF2-40B4-BE49-F238E27FC236}">
+                <a16:creationId xmlns:a16="http://schemas.microsoft.com/office/drawing/2014/main" id="{C61AF10B-722E-0199-596D-18B2655B2D3E}"/>
+              </a:ext>
+            </a:extLst>
+          </p:cNvPr>
+          <p:cNvSpPr txBox="1"/>
+          <p:nvPr/>
+        </p:nvSpPr>
+        <p:spPr>
+          <a:xfrm>
+            <a:off x="8691764" y="6337313"/>
+            <a:ext cx="3114096" cy="400110"/>
+          </a:xfrm>
+          <a:prstGeom prst="rect">
+            <a:avLst/>
+          </a:prstGeom>
+          <a:noFill/>
+        </p:spPr>
+        <p:txBody>
+          <a:bodyPr wrap="square" rtlCol="0">
+            <a:spAutoFit/>
+          </a:bodyPr>
+          <a:lstStyle/>
+          <a:p>
+            <a:pPr algn="r"/>
+            <a:r>
+              <a:rPr lang="en-US" altLang="ko-KR" sz="2000" b="1" dirty="0">
+                <a:solidFill>
+                  <a:schemeClr val="accent1"/>
+                </a:solidFill>
+              </a:rPr>
+              <a:t>Goal Motion</a:t>
+            </a:r>
+            <a:endParaRPr lang="ko-KR" altLang="en-US" sz="2000" b="1" dirty="0">
+              <a:solidFill>
+                <a:schemeClr val="accent1"/>
+              </a:solidFill>
+            </a:endParaRPr>
+          </a:p>
+        </p:txBody>
+      </p:sp>
+      <p:sp>
+        <p:nvSpPr>
+          <p:cNvPr id="7" name="사각형: 둥근 모서리 6">
+            <a:extLst>
+              <a:ext uri="{FF2B5EF4-FFF2-40B4-BE49-F238E27FC236}">
+                <a16:creationId xmlns:a16="http://schemas.microsoft.com/office/drawing/2014/main" id="{761AF2AC-6253-A57F-2D03-01A6E9AAAE83}"/>
+              </a:ext>
+            </a:extLst>
+          </p:cNvPr>
+          <p:cNvSpPr/>
+          <p:nvPr/>
+        </p:nvSpPr>
+        <p:spPr>
+          <a:xfrm>
+            <a:off x="7130754" y="2379469"/>
+            <a:ext cx="1589820" cy="4044812"/>
+          </a:xfrm>
+          <a:prstGeom prst="roundRect">
+            <a:avLst>
+              <a:gd name="adj" fmla="val 7021"/>
+            </a:avLst>
+          </a:prstGeom>
+          <a:noFill/>
+          <a:ln w="28575">
+            <a:solidFill>
+              <a:schemeClr val="accent6"/>
+            </a:solidFill>
+            <a:prstDash val="sysDash"/>
+          </a:ln>
+        </p:spPr>
+        <p:style>
+          <a:lnRef idx="2">
+            <a:schemeClr val="accent1">
+              <a:shade val="15000"/>
+            </a:schemeClr>
+          </a:lnRef>
+          <a:fillRef idx="1">
+            <a:schemeClr val="accent1"/>
+          </a:fillRef>
+          <a:effectRef idx="0">
+            <a:schemeClr val="accent1"/>
+          </a:effectRef>
+          <a:fontRef idx="minor">
+            <a:schemeClr val="lt1"/>
+          </a:fontRef>
+        </p:style>
+        <p:txBody>
+          <a:bodyPr rtlCol="0" anchor="ctr"/>
+          <a:lstStyle/>
+          <a:p>
+            <a:pPr algn="ctr"/>
+            <a:endParaRPr lang="ko-KR" altLang="en-US" dirty="0"/>
+          </a:p>
+        </p:txBody>
+      </p:sp>
+      <p:sp>
+        <p:nvSpPr>
+          <p:cNvPr id="8" name="TextBox 7">
+            <a:extLst>
+              <a:ext uri="{FF2B5EF4-FFF2-40B4-BE49-F238E27FC236}">
+                <a16:creationId xmlns:a16="http://schemas.microsoft.com/office/drawing/2014/main" id="{0ABE05C0-6D6F-9E9E-A203-A0F128620F2F}"/>
+              </a:ext>
+            </a:extLst>
+          </p:cNvPr>
+          <p:cNvSpPr txBox="1"/>
+          <p:nvPr/>
+        </p:nvSpPr>
+        <p:spPr>
+          <a:xfrm>
+            <a:off x="6385779" y="1901194"/>
+            <a:ext cx="3114096" cy="400110"/>
+          </a:xfrm>
+          <a:prstGeom prst="rect">
+            <a:avLst/>
+          </a:prstGeom>
+          <a:noFill/>
+        </p:spPr>
+        <p:txBody>
+          <a:bodyPr wrap="square" rtlCol="0">
+            <a:spAutoFit/>
+          </a:bodyPr>
+          <a:lstStyle/>
+          <a:p>
+            <a:pPr algn="ctr"/>
+            <a:r>
+              <a:rPr lang="en-US" altLang="ko-KR" sz="2000" b="1" dirty="0">
+                <a:solidFill>
+                  <a:schemeClr val="accent6"/>
+                </a:solidFill>
+              </a:rPr>
+              <a:t>Motion Generation</a:t>
+            </a:r>
+            <a:endParaRPr lang="ko-KR" altLang="en-US" sz="2000" b="1" dirty="0">
+              <a:solidFill>
+                <a:schemeClr val="accent6"/>
+              </a:solidFill>
+            </a:endParaRPr>
+          </a:p>
+        </p:txBody>
+      </p:sp>
+      <p:sp>
+        <p:nvSpPr>
+          <p:cNvPr id="11" name="순서도: 대체 처리 10">
+            <a:extLst>
+              <a:ext uri="{FF2B5EF4-FFF2-40B4-BE49-F238E27FC236}">
+                <a16:creationId xmlns:a16="http://schemas.microsoft.com/office/drawing/2014/main" id="{15767EF7-4E75-2B37-480D-6229B54265EC}"/>
+              </a:ext>
+            </a:extLst>
+          </p:cNvPr>
+          <p:cNvSpPr/>
+          <p:nvPr/>
+        </p:nvSpPr>
+        <p:spPr>
+          <a:xfrm>
+            <a:off x="3335798" y="5581510"/>
+            <a:ext cx="1313937" cy="697666"/>
+          </a:xfrm>
+          <a:prstGeom prst="flowChartAlternateProcess">
+            <a:avLst/>
+          </a:prstGeom>
+        </p:spPr>
+        <p:style>
+          <a:lnRef idx="0">
+            <a:schemeClr val="accent1"/>
+          </a:lnRef>
+          <a:fillRef idx="3">
+            <a:schemeClr val="accent1"/>
+          </a:fillRef>
+          <a:effectRef idx="3">
+            <a:schemeClr val="accent1"/>
+          </a:effectRef>
+          <a:fontRef idx="minor">
+            <a:schemeClr val="lt1"/>
+          </a:fontRef>
+        </p:style>
+        <p:txBody>
+          <a:bodyPr rtlCol="0" anchor="ctr"/>
+          <a:lstStyle/>
+          <a:p>
+            <a:pPr algn="ctr"/>
+            <a:r>
+              <a:rPr lang="en-US" altLang="ko-KR" sz="1200" b="1" dirty="0"/>
+              <a:t>Skeleton</a:t>
+            </a:r>
+          </a:p>
+          <a:p>
+            <a:pPr algn="ctr"/>
+            <a:r>
+              <a:rPr lang="en-US" altLang="ko-KR" sz="1200" b="1" dirty="0"/>
+              <a:t>Detection</a:t>
+            </a:r>
+            <a:endParaRPr lang="ko-KR" altLang="en-US" sz="1200" b="1" dirty="0"/>
+          </a:p>
+        </p:txBody>
+      </p:sp>
+      <p:sp>
+        <p:nvSpPr>
+          <p:cNvPr id="13" name="순서도: 대체 처리 12">
+            <a:extLst>
+              <a:ext uri="{FF2B5EF4-FFF2-40B4-BE49-F238E27FC236}">
+                <a16:creationId xmlns:a16="http://schemas.microsoft.com/office/drawing/2014/main" id="{8EA023DF-470B-7539-18BB-7B888B92243D}"/>
+              </a:ext>
+            </a:extLst>
+          </p:cNvPr>
+          <p:cNvSpPr/>
+          <p:nvPr/>
+        </p:nvSpPr>
+        <p:spPr>
+          <a:xfrm>
+            <a:off x="5088693" y="4760398"/>
+            <a:ext cx="1085100" cy="1518777"/>
+          </a:xfrm>
+          <a:prstGeom prst="flowChartAlternateProcess">
+            <a:avLst/>
+          </a:prstGeom>
+        </p:spPr>
+        <p:style>
+          <a:lnRef idx="0">
+            <a:schemeClr val="accent1"/>
+          </a:lnRef>
+          <a:fillRef idx="3">
+            <a:schemeClr val="accent1"/>
+          </a:fillRef>
+          <a:effectRef idx="3">
+            <a:schemeClr val="accent1"/>
+          </a:effectRef>
+          <a:fontRef idx="minor">
+            <a:schemeClr val="lt1"/>
+          </a:fontRef>
+        </p:style>
+        <p:txBody>
+          <a:bodyPr rtlCol="0" anchor="ctr"/>
+          <a:lstStyle/>
+          <a:p>
+            <a:pPr algn="ctr"/>
+            <a:r>
+              <a:rPr lang="en-US" altLang="ko-KR" sz="1200" b="1" dirty="0"/>
+              <a:t>Joint Of Human Decide</a:t>
+            </a:r>
+          </a:p>
+          <a:p>
+            <a:pPr algn="ctr"/>
+            <a:r>
+              <a:rPr lang="en-US" altLang="ko-KR" sz="1200" b="1" dirty="0"/>
+              <a:t>(Manually)</a:t>
+            </a:r>
+            <a:endParaRPr lang="ko-KR" altLang="en-US" sz="1200" b="1" dirty="0"/>
+          </a:p>
+        </p:txBody>
+      </p:sp>
+      <p:sp>
+        <p:nvSpPr>
+          <p:cNvPr id="14" name="화살표: 오른쪽 13">
+            <a:extLst>
+              <a:ext uri="{FF2B5EF4-FFF2-40B4-BE49-F238E27FC236}">
+                <a16:creationId xmlns:a16="http://schemas.microsoft.com/office/drawing/2014/main" id="{9FF5B9E5-30A4-5077-5E19-972D77154AA0}"/>
+              </a:ext>
+            </a:extLst>
+          </p:cNvPr>
+          <p:cNvSpPr/>
+          <p:nvPr/>
+        </p:nvSpPr>
+        <p:spPr>
+          <a:xfrm>
+            <a:off x="4704022" y="5840371"/>
+            <a:ext cx="313075" cy="218598"/>
+          </a:xfrm>
+          <a:prstGeom prst="rightArrow">
+            <a:avLst/>
+          </a:prstGeom>
+          <a:solidFill>
+            <a:schemeClr val="tx1">
+              <a:lumMod val="50000"/>
+              <a:lumOff val="50000"/>
+            </a:schemeClr>
+          </a:solidFill>
+          <a:ln>
+            <a:noFill/>
+          </a:ln>
+        </p:spPr>
+        <p:style>
+          <a:lnRef idx="2">
+            <a:schemeClr val="accent1">
+              <a:shade val="15000"/>
+            </a:schemeClr>
+          </a:lnRef>
+          <a:fillRef idx="1">
+            <a:schemeClr val="accent1"/>
+          </a:fillRef>
+          <a:effectRef idx="0">
+            <a:schemeClr val="accent1"/>
+          </a:effectRef>
+          <a:fontRef idx="minor">
+            <a:schemeClr val="lt1"/>
+          </a:fontRef>
+        </p:style>
+        <p:txBody>
+          <a:bodyPr rtlCol="0" anchor="ctr"/>
+          <a:lstStyle/>
+          <a:p>
+            <a:pPr algn="ctr"/>
+            <a:endParaRPr lang="ko-KR" altLang="en-US" dirty="0"/>
+          </a:p>
+        </p:txBody>
+      </p:sp>
+      <p:sp>
+        <p:nvSpPr>
+          <p:cNvPr id="15" name="TextBox 14">
+            <a:extLst>
+              <a:ext uri="{FF2B5EF4-FFF2-40B4-BE49-F238E27FC236}">
+                <a16:creationId xmlns:a16="http://schemas.microsoft.com/office/drawing/2014/main" id="{2EE3E00F-4E2C-F5FF-616C-7B6C74FEF58E}"/>
+              </a:ext>
+            </a:extLst>
+          </p:cNvPr>
+          <p:cNvSpPr txBox="1"/>
+          <p:nvPr/>
+        </p:nvSpPr>
+        <p:spPr>
+          <a:xfrm>
+            <a:off x="4036035" y="6279175"/>
+            <a:ext cx="1686712" cy="307777"/>
+          </a:xfrm>
+          <a:prstGeom prst="rect">
+            <a:avLst/>
+          </a:prstGeom>
+          <a:noFill/>
+        </p:spPr>
+        <p:txBody>
+          <a:bodyPr wrap="square" rtlCol="0">
+            <a:spAutoFit/>
+          </a:bodyPr>
+          <a:lstStyle/>
+          <a:p>
+            <a:pPr algn="ctr"/>
+            <a:r>
+              <a:rPr lang="en-US" altLang="ko-KR" sz="1400" dirty="0" err="1"/>
+              <a:t>human_Joint_info</a:t>
+            </a:r>
+            <a:endParaRPr lang="en-US" altLang="ko-KR" sz="1400" dirty="0"/>
+          </a:p>
+        </p:txBody>
+      </p:sp>
+      <p:sp>
+        <p:nvSpPr>
+          <p:cNvPr id="31" name="TextBox 30">
+            <a:extLst>
+              <a:ext uri="{FF2B5EF4-FFF2-40B4-BE49-F238E27FC236}">
+                <a16:creationId xmlns:a16="http://schemas.microsoft.com/office/drawing/2014/main" id="{2F8E7E26-0711-CCC7-93EF-287C44E8282A}"/>
+              </a:ext>
+            </a:extLst>
+          </p:cNvPr>
+          <p:cNvSpPr txBox="1"/>
+          <p:nvPr/>
+        </p:nvSpPr>
+        <p:spPr>
+          <a:xfrm>
+            <a:off x="6028932" y="5605050"/>
+            <a:ext cx="1313937" cy="338554"/>
+          </a:xfrm>
+          <a:prstGeom prst="rect">
+            <a:avLst/>
+          </a:prstGeom>
+          <a:noFill/>
+        </p:spPr>
+        <p:txBody>
+          <a:bodyPr wrap="square" rtlCol="0">
+            <a:spAutoFit/>
+          </a:bodyPr>
+          <a:lstStyle/>
+          <a:p>
+            <a:pPr algn="ctr"/>
+            <a:r>
+              <a:rPr lang="en-US" altLang="ko-KR" sz="1600" dirty="0" err="1"/>
+              <a:t>goal_pos</a:t>
+            </a:r>
+            <a:endParaRPr lang="ko-KR" altLang="en-US" sz="1600" dirty="0"/>
+          </a:p>
+        </p:txBody>
+      </p:sp>
+    </p:spTree>
+    <p:extLst>
+      <p:ext uri="{BB962C8B-B14F-4D97-AF65-F5344CB8AC3E}">
+        <p14:creationId xmlns:p14="http://schemas.microsoft.com/office/powerpoint/2010/main" val="2000007930"/>
+      </p:ext>
+    </p:extLst>
+  </p:cSld>
+  <p:clrMapOvr>
+    <a:masterClrMapping/>
+  </p:clrMapOvr>
+</p:sld>
+</file>
+
+<file path=ppt/slides/slide4.xml><?xml version="1.0" encoding="utf-8"?>
+<p:sld xmlns:a="http://schemas.openxmlformats.org/drawingml/2006/main" xmlns:r="http://schemas.openxmlformats.org/officeDocument/2006/relationships" xmlns:p="http://schemas.openxmlformats.org/presentationml/2006/main">
+  <p:cSld>
+    <p:spTree>
+      <p:nvGrpSpPr>
+        <p:cNvPr id="1" name=""/>
+        <p:cNvGrpSpPr/>
+        <p:nvPr/>
+      </p:nvGrpSpPr>
+      <p:grpSpPr>
+        <a:xfrm>
+          <a:off x="0" y="0"/>
+          <a:ext cx="0" cy="0"/>
+          <a:chOff x="0" y="0"/>
+          <a:chExt cx="0" cy="0"/>
+        </a:xfrm>
+      </p:grpSpPr>
+      <p:sp>
+        <p:nvSpPr>
+          <p:cNvPr id="1036" name="직사각형 1035">
+            <a:extLst>
+              <a:ext uri="{FF2B5EF4-FFF2-40B4-BE49-F238E27FC236}">
+                <a16:creationId xmlns:a16="http://schemas.microsoft.com/office/drawing/2014/main" id="{E0E5E5F6-7277-2230-B46A-9A58A34D3B96}"/>
+              </a:ext>
+            </a:extLst>
+          </p:cNvPr>
+          <p:cNvSpPr/>
+          <p:nvPr/>
+        </p:nvSpPr>
+        <p:spPr>
+          <a:xfrm>
+            <a:off x="5991543" y="1503452"/>
+            <a:ext cx="104456" cy="3587690"/>
+          </a:xfrm>
+          <a:prstGeom prst="rect">
+            <a:avLst/>
+          </a:prstGeom>
+          <a:solidFill>
+            <a:schemeClr val="accent4"/>
+          </a:solidFill>
+          <a:ln>
+            <a:noFill/>
+          </a:ln>
+        </p:spPr>
+        <p:style>
+          <a:lnRef idx="2">
+            <a:schemeClr val="accent1">
+              <a:shade val="15000"/>
+            </a:schemeClr>
+          </a:lnRef>
+          <a:fillRef idx="1">
+            <a:schemeClr val="accent1"/>
+          </a:fillRef>
+          <a:effectRef idx="0">
+            <a:schemeClr val="accent1"/>
+          </a:effectRef>
+          <a:fontRef idx="minor">
+            <a:schemeClr val="lt1"/>
+          </a:fontRef>
+        </p:style>
+        <p:txBody>
+          <a:bodyPr rtlCol="0" anchor="ctr"/>
+          <a:lstStyle/>
+          <a:p>
+            <a:pPr algn="ctr"/>
+            <a:endParaRPr lang="ko-KR" altLang="en-US" dirty="0"/>
+          </a:p>
+        </p:txBody>
+      </p:sp>
+      <p:sp>
+        <p:nvSpPr>
+          <p:cNvPr id="63" name="직사각형 62">
+            <a:extLst>
+              <a:ext uri="{FF2B5EF4-FFF2-40B4-BE49-F238E27FC236}">
+                <a16:creationId xmlns:a16="http://schemas.microsoft.com/office/drawing/2014/main" id="{B2DC5B7D-9B79-4284-17E6-40291A7ED0CC}"/>
+              </a:ext>
+            </a:extLst>
+          </p:cNvPr>
+          <p:cNvSpPr/>
+          <p:nvPr/>
+        </p:nvSpPr>
+        <p:spPr>
+          <a:xfrm>
+            <a:off x="2090427" y="4527140"/>
+            <a:ext cx="742818" cy="106858"/>
+          </a:xfrm>
+          <a:prstGeom prst="rect">
+            <a:avLst/>
+          </a:prstGeom>
+          <a:solidFill>
+            <a:schemeClr val="bg1">
+              <a:lumMod val="50000"/>
+            </a:schemeClr>
+          </a:solidFill>
+          <a:ln>
+            <a:noFill/>
+          </a:ln>
+        </p:spPr>
+        <p:style>
+          <a:lnRef idx="2">
+            <a:schemeClr val="accent1">
+              <a:shade val="15000"/>
+            </a:schemeClr>
+          </a:lnRef>
+          <a:fillRef idx="1">
+            <a:schemeClr val="accent1"/>
+          </a:fillRef>
+          <a:effectRef idx="0">
+            <a:schemeClr val="accent1"/>
+          </a:effectRef>
+          <a:fontRef idx="minor">
+            <a:schemeClr val="lt1"/>
+          </a:fontRef>
+        </p:style>
+        <p:txBody>
+          <a:bodyPr rtlCol="0" anchor="ctr"/>
+          <a:lstStyle/>
+          <a:p>
+            <a:pPr algn="ctr"/>
+            <a:endParaRPr lang="ko-KR" altLang="en-US"/>
+          </a:p>
+        </p:txBody>
+      </p:sp>
+      <p:sp>
+        <p:nvSpPr>
+          <p:cNvPr id="6" name="순서도: 대체 처리 5">
+            <a:extLst>
+              <a:ext uri="{FF2B5EF4-FFF2-40B4-BE49-F238E27FC236}">
+                <a16:creationId xmlns:a16="http://schemas.microsoft.com/office/drawing/2014/main" id="{31F16BD0-7B2B-F3AF-6A16-3DA2B9A0F906}"/>
+              </a:ext>
+            </a:extLst>
+          </p:cNvPr>
+          <p:cNvSpPr/>
+          <p:nvPr/>
+        </p:nvSpPr>
+        <p:spPr>
+          <a:xfrm>
+            <a:off x="3634260" y="2663530"/>
+            <a:ext cx="1313937" cy="697666"/>
+          </a:xfrm>
+          <a:prstGeom prst="flowChartAlternateProcess">
+            <a:avLst/>
+          </a:prstGeom>
+        </p:spPr>
+        <p:style>
+          <a:lnRef idx="0">
+            <a:schemeClr val="accent1"/>
+          </a:lnRef>
+          <a:fillRef idx="3">
+            <a:schemeClr val="accent1"/>
+          </a:fillRef>
+          <a:effectRef idx="3">
+            <a:schemeClr val="accent1"/>
+          </a:effectRef>
+          <a:fontRef idx="minor">
+            <a:schemeClr val="lt1"/>
+          </a:fontRef>
+        </p:style>
+        <p:txBody>
+          <a:bodyPr rtlCol="0" anchor="ctr"/>
+          <a:lstStyle/>
+          <a:p>
+            <a:pPr algn="ctr"/>
+            <a:r>
+              <a:rPr lang="en-US" altLang="ko-KR" sz="1200" b="1" dirty="0"/>
+              <a:t>Object Detection</a:t>
+            </a:r>
+            <a:endParaRPr lang="ko-KR" altLang="en-US" sz="1200" b="1" dirty="0"/>
+          </a:p>
+        </p:txBody>
+      </p:sp>
+      <p:sp>
+        <p:nvSpPr>
+          <p:cNvPr id="12" name="화살표: 오른쪽 11">
+            <a:extLst>
+              <a:ext uri="{FF2B5EF4-FFF2-40B4-BE49-F238E27FC236}">
+                <a16:creationId xmlns:a16="http://schemas.microsoft.com/office/drawing/2014/main" id="{DC7E13A8-1292-5447-D564-06BC23D075D4}"/>
+              </a:ext>
+            </a:extLst>
+          </p:cNvPr>
+          <p:cNvSpPr/>
+          <p:nvPr/>
+        </p:nvSpPr>
+        <p:spPr>
+          <a:xfrm>
+            <a:off x="5069089" y="2938533"/>
+            <a:ext cx="1631650" cy="218598"/>
+          </a:xfrm>
+          <a:prstGeom prst="rightArrow">
+            <a:avLst/>
+          </a:prstGeom>
+          <a:solidFill>
+            <a:schemeClr val="tx1"/>
+          </a:solidFill>
+          <a:ln>
+            <a:noFill/>
+          </a:ln>
+        </p:spPr>
+        <p:style>
+          <a:lnRef idx="2">
+            <a:schemeClr val="accent1">
+              <a:shade val="15000"/>
+            </a:schemeClr>
+          </a:lnRef>
+          <a:fillRef idx="1">
+            <a:schemeClr val="accent1"/>
+          </a:fillRef>
+          <a:effectRef idx="0">
+            <a:schemeClr val="accent1"/>
+          </a:effectRef>
+          <a:fontRef idx="minor">
+            <a:schemeClr val="lt1"/>
+          </a:fontRef>
+        </p:style>
+        <p:txBody>
+          <a:bodyPr rtlCol="0" anchor="ctr"/>
+          <a:lstStyle/>
+          <a:p>
+            <a:pPr algn="ctr"/>
+            <a:endParaRPr lang="ko-KR" altLang="en-US" dirty="0"/>
+          </a:p>
+        </p:txBody>
+      </p:sp>
+      <p:sp>
+        <p:nvSpPr>
+          <p:cNvPr id="17" name="사각형: 모서리가 접힌 도형 16">
+            <a:extLst>
+              <a:ext uri="{FF2B5EF4-FFF2-40B4-BE49-F238E27FC236}">
+                <a16:creationId xmlns:a16="http://schemas.microsoft.com/office/drawing/2014/main" id="{610118E8-A8BD-BAF2-FA75-A29F241B36FD}"/>
+              </a:ext>
+            </a:extLst>
+          </p:cNvPr>
+          <p:cNvSpPr/>
+          <p:nvPr/>
+        </p:nvSpPr>
+        <p:spPr>
+          <a:xfrm>
+            <a:off x="828020" y="885074"/>
+            <a:ext cx="1210965" cy="1054443"/>
+          </a:xfrm>
+          <a:prstGeom prst="foldedCorner">
+            <a:avLst/>
+          </a:prstGeom>
+        </p:spPr>
+        <p:style>
+          <a:lnRef idx="0">
+            <a:schemeClr val="accent4"/>
+          </a:lnRef>
+          <a:fillRef idx="3">
+            <a:schemeClr val="accent4"/>
+          </a:fillRef>
+          <a:effectRef idx="3">
+            <a:schemeClr val="accent4"/>
+          </a:effectRef>
+          <a:fontRef idx="minor">
+            <a:schemeClr val="lt1"/>
+          </a:fontRef>
+        </p:style>
+        <p:txBody>
+          <a:bodyPr rtlCol="0" anchor="b"/>
+          <a:lstStyle/>
+          <a:p>
+            <a:pPr algn="ctr"/>
+            <a:r>
+              <a:rPr lang="en-US" altLang="ko-KR" sz="1200" b="1" dirty="0">
+                <a:solidFill>
+                  <a:schemeClr val="tx1"/>
+                </a:solidFill>
+              </a:rPr>
+              <a:t>&lt;Instruction&gt;</a:t>
+            </a:r>
+          </a:p>
+          <a:p>
+            <a:pPr algn="ctr"/>
+            <a:r>
+              <a:rPr lang="en-US" altLang="ko-KR" sz="1200" b="1" dirty="0">
+                <a:solidFill>
+                  <a:schemeClr val="tx1"/>
+                </a:solidFill>
+              </a:rPr>
+              <a:t>Target</a:t>
+            </a:r>
+          </a:p>
+          <a:p>
+            <a:pPr algn="ctr"/>
+            <a:r>
+              <a:rPr lang="en-US" altLang="ko-KR" sz="1200" b="1" dirty="0">
+                <a:solidFill>
+                  <a:schemeClr val="tx1"/>
+                </a:solidFill>
+              </a:rPr>
+              <a:t>Task</a:t>
+            </a:r>
+          </a:p>
+          <a:p>
+            <a:pPr algn="ctr"/>
+            <a:r>
+              <a:rPr lang="en-US" altLang="ko-KR" sz="1200" b="1" dirty="0">
+                <a:solidFill>
+                  <a:schemeClr val="tx1"/>
+                </a:solidFill>
+              </a:rPr>
+              <a:t>Style</a:t>
+            </a:r>
+            <a:endParaRPr lang="ko-KR" altLang="en-US" sz="1200" b="1" dirty="0">
+              <a:solidFill>
+                <a:schemeClr val="tx1"/>
+              </a:solidFill>
+            </a:endParaRPr>
+          </a:p>
+        </p:txBody>
+      </p:sp>
+      <p:pic>
+        <p:nvPicPr>
+          <p:cNvPr id="1026" name="Picture 2">
+            <a:extLst>
+              <a:ext uri="{FF2B5EF4-FFF2-40B4-BE49-F238E27FC236}">
+                <a16:creationId xmlns:a16="http://schemas.microsoft.com/office/drawing/2014/main" id="{8972525C-9605-42B0-EA68-371F65970623}"/>
+              </a:ext>
+            </a:extLst>
+          </p:cNvPr>
+          <p:cNvPicPr>
+            <a:picLocks noChangeAspect="1" noChangeArrowheads="1"/>
+          </p:cNvPicPr>
+          <p:nvPr/>
+        </p:nvPicPr>
+        <p:blipFill rotWithShape="1">
+          <a:blip r:embed="rId2">
+            <a:extLst>
+              <a:ext uri="{BEBA8EAE-BF5A-486C-A8C5-ECC9F3942E4B}">
+                <a14:imgProps xmlns:a14="http://schemas.microsoft.com/office/drawing/2010/main">
+                  <a14:imgLayer r:embed="rId3">
+                    <a14:imgEffect>
+                      <a14:backgroundRemoval t="10000" b="90000" l="10000" r="90000">
+                        <a14:foregroundMark x1="25750" y1="43333" x2="32667" y2="43750"/>
+                        <a14:foregroundMark x1="56167" y1="38583" x2="63833" y2="38917"/>
+                      </a14:backgroundRemoval>
+                    </a14:imgEffect>
+                  </a14:imgLayer>
+                </a14:imgProps>
+              </a:ext>
+              <a:ext uri="{28A0092B-C50C-407E-A947-70E740481C1C}">
+                <a14:useLocalDpi xmlns:a14="http://schemas.microsoft.com/office/drawing/2010/main" val="0"/>
+              </a:ext>
+            </a:extLst>
+          </a:blip>
+          <a:srcRect l="12555" t="19593" r="14286" b="20494"/>
+          <a:stretch/>
+        </p:blipFill>
+        <p:spPr bwMode="auto">
+          <a:xfrm>
+            <a:off x="1085668" y="3419297"/>
+            <a:ext cx="677118" cy="554512"/>
+          </a:xfrm>
+          <a:prstGeom prst="rect">
+            <a:avLst/>
+          </a:prstGeom>
+          <a:noFill/>
+          <a:extLst>
+            <a:ext uri="{909E8E84-426E-40DD-AFC4-6F175D3DCCD1}">
+              <a14:hiddenFill xmlns:a14="http://schemas.microsoft.com/office/drawing/2010/main">
+                <a:solidFill>
+                  <a:srgbClr val="FFFFFF"/>
+                </a:solidFill>
+              </a14:hiddenFill>
+            </a:ext>
+          </a:extLst>
+        </p:spPr>
+      </p:pic>
+      <p:pic>
+        <p:nvPicPr>
+          <p:cNvPr id="1028" name="Picture 4">
+            <a:extLst>
+              <a:ext uri="{FF2B5EF4-FFF2-40B4-BE49-F238E27FC236}">
+                <a16:creationId xmlns:a16="http://schemas.microsoft.com/office/drawing/2014/main" id="{154E7818-6F13-BBAF-DF4F-A7899ADC7074}"/>
+              </a:ext>
+            </a:extLst>
+          </p:cNvPr>
+          <p:cNvPicPr>
+            <a:picLocks noChangeAspect="1" noChangeArrowheads="1"/>
+          </p:cNvPicPr>
+          <p:nvPr/>
+        </p:nvPicPr>
+        <p:blipFill rotWithShape="1">
+          <a:blip r:embed="rId4">
+            <a:extLst>
+              <a:ext uri="{BEBA8EAE-BF5A-486C-A8C5-ECC9F3942E4B}">
+                <a14:imgProps xmlns:a14="http://schemas.microsoft.com/office/drawing/2010/main">
+                  <a14:imgLayer r:embed="rId5">
+                    <a14:imgEffect>
+                      <a14:backgroundRemoval t="10000" b="90000" l="10000" r="90000">
+                        <a14:foregroundMark x1="23000" y1="20167" x2="24417" y2="18417"/>
+                        <a14:foregroundMark x1="49917" y1="45750" x2="53500" y2="47167"/>
+                      </a14:backgroundRemoval>
+                    </a14:imgEffect>
+                  </a14:imgLayer>
+                </a14:imgProps>
+              </a:ext>
+              <a:ext uri="{28A0092B-C50C-407E-A947-70E740481C1C}">
+                <a14:useLocalDpi xmlns:a14="http://schemas.microsoft.com/office/drawing/2010/main" val="0"/>
+              </a:ext>
+            </a:extLst>
+          </a:blip>
+          <a:srcRect l="7116" t="7236" r="6276" b="8829"/>
+          <a:stretch/>
+        </p:blipFill>
+        <p:spPr bwMode="auto">
+          <a:xfrm>
+            <a:off x="1085668" y="114227"/>
+            <a:ext cx="719868" cy="697666"/>
+          </a:xfrm>
+          <a:prstGeom prst="rect">
+            <a:avLst/>
+          </a:prstGeom>
+          <a:noFill/>
+          <a:extLst>
+            <a:ext uri="{909E8E84-426E-40DD-AFC4-6F175D3DCCD1}">
+              <a14:hiddenFill xmlns:a14="http://schemas.microsoft.com/office/drawing/2010/main">
+                <a:solidFill>
+                  <a:srgbClr val="FFFFFF"/>
+                </a:solidFill>
+              </a14:hiddenFill>
+            </a:ext>
+          </a:extLst>
+        </p:spPr>
+      </p:pic>
+      <p:sp>
+        <p:nvSpPr>
+          <p:cNvPr id="27" name="사각형: 모서리가 접힌 도형 26">
+            <a:extLst>
+              <a:ext uri="{FF2B5EF4-FFF2-40B4-BE49-F238E27FC236}">
+                <a16:creationId xmlns:a16="http://schemas.microsoft.com/office/drawing/2014/main" id="{2A40D5B0-65E2-6EC6-BE86-18DAECFE54CB}"/>
+              </a:ext>
+            </a:extLst>
+          </p:cNvPr>
+          <p:cNvSpPr/>
+          <p:nvPr/>
+        </p:nvSpPr>
+        <p:spPr>
+          <a:xfrm>
+            <a:off x="828020" y="4036699"/>
+            <a:ext cx="1210965" cy="1054443"/>
+          </a:xfrm>
+          <a:prstGeom prst="foldedCorner">
+            <a:avLst/>
+          </a:prstGeom>
+        </p:spPr>
+        <p:style>
+          <a:lnRef idx="0">
+            <a:schemeClr val="accent3"/>
+          </a:lnRef>
+          <a:fillRef idx="3">
+            <a:schemeClr val="accent3"/>
+          </a:fillRef>
+          <a:effectRef idx="3">
+            <a:schemeClr val="accent3"/>
+          </a:effectRef>
+          <a:fontRef idx="minor">
+            <a:schemeClr val="lt1"/>
+          </a:fontRef>
+        </p:style>
+        <p:txBody>
+          <a:bodyPr rtlCol="0" anchor="ctr"/>
+          <a:lstStyle/>
+          <a:p>
+            <a:pPr algn="ctr"/>
+            <a:r>
+              <a:rPr lang="en-US" altLang="ko-KR" sz="1200" b="1" dirty="0">
+                <a:solidFill>
+                  <a:schemeClr val="tx1"/>
+                </a:solidFill>
+              </a:rPr>
+              <a:t>Camera</a:t>
+            </a:r>
+          </a:p>
+          <a:p>
+            <a:pPr algn="ctr"/>
+            <a:r>
+              <a:rPr lang="en-US" altLang="ko-KR" sz="1200" b="1" dirty="0">
+                <a:solidFill>
+                  <a:schemeClr val="tx1"/>
+                </a:solidFill>
+              </a:rPr>
+              <a:t>Sensor</a:t>
+            </a:r>
+          </a:p>
+          <a:p>
+            <a:pPr algn="ctr"/>
+            <a:r>
+              <a:rPr lang="en-US" altLang="ko-KR" sz="1200" b="1" dirty="0">
+                <a:solidFill>
+                  <a:schemeClr val="tx1"/>
+                </a:solidFill>
+              </a:rPr>
+              <a:t>(RGB)</a:t>
+            </a:r>
+            <a:endParaRPr lang="ko-KR" altLang="en-US" sz="1200" b="1" dirty="0">
+              <a:solidFill>
+                <a:schemeClr val="tx1"/>
+              </a:solidFill>
+            </a:endParaRPr>
+          </a:p>
+        </p:txBody>
+      </p:sp>
+      <p:sp>
+        <p:nvSpPr>
+          <p:cNvPr id="29" name="순서도: 대체 처리 28">
+            <a:extLst>
+              <a:ext uri="{FF2B5EF4-FFF2-40B4-BE49-F238E27FC236}">
+                <a16:creationId xmlns:a16="http://schemas.microsoft.com/office/drawing/2014/main" id="{E0A7C13D-EAAF-AFA7-8797-A3FADDDF68F2}"/>
+              </a:ext>
+            </a:extLst>
+          </p:cNvPr>
+          <p:cNvSpPr/>
+          <p:nvPr/>
+        </p:nvSpPr>
+        <p:spPr>
+          <a:xfrm>
+            <a:off x="4514372" y="4760399"/>
+            <a:ext cx="1313937" cy="1606613"/>
+          </a:xfrm>
+          <a:prstGeom prst="flowChartAlternateProcess">
+            <a:avLst/>
+          </a:prstGeom>
+        </p:spPr>
+        <p:style>
+          <a:lnRef idx="0">
+            <a:schemeClr val="accent1"/>
+          </a:lnRef>
+          <a:fillRef idx="3">
+            <a:schemeClr val="accent1"/>
+          </a:fillRef>
+          <a:effectRef idx="3">
+            <a:schemeClr val="accent1"/>
+          </a:effectRef>
+          <a:fontRef idx="minor">
+            <a:schemeClr val="lt1"/>
+          </a:fontRef>
+        </p:style>
+        <p:txBody>
+          <a:bodyPr rtlCol="0" anchor="ctr"/>
+          <a:lstStyle/>
+          <a:p>
+            <a:pPr algn="ctr"/>
+            <a:r>
+              <a:rPr lang="en-US" altLang="ko-KR" sz="1200" b="1" dirty="0"/>
+              <a:t>Skeleton</a:t>
+            </a:r>
+          </a:p>
+          <a:p>
+            <a:pPr algn="ctr"/>
+            <a:r>
+              <a:rPr lang="en-US" altLang="ko-KR" sz="1200" b="1" dirty="0"/>
+              <a:t>Detection</a:t>
+            </a:r>
+          </a:p>
+        </p:txBody>
+      </p:sp>
+      <p:sp>
+        <p:nvSpPr>
+          <p:cNvPr id="31" name="TextBox 30">
+            <a:extLst>
+              <a:ext uri="{FF2B5EF4-FFF2-40B4-BE49-F238E27FC236}">
+                <a16:creationId xmlns:a16="http://schemas.microsoft.com/office/drawing/2014/main" id="{2F8E7E26-0711-CCC7-93EF-287C44E8282A}"/>
+              </a:ext>
+            </a:extLst>
+          </p:cNvPr>
+          <p:cNvSpPr txBox="1"/>
+          <p:nvPr/>
+        </p:nvSpPr>
+        <p:spPr>
+          <a:xfrm>
+            <a:off x="5652887" y="5605050"/>
+            <a:ext cx="1313937" cy="338554"/>
+          </a:xfrm>
+          <a:prstGeom prst="rect">
+            <a:avLst/>
+          </a:prstGeom>
+          <a:noFill/>
+        </p:spPr>
+        <p:txBody>
+          <a:bodyPr wrap="square" rtlCol="0">
+            <a:spAutoFit/>
+          </a:bodyPr>
+          <a:lstStyle/>
+          <a:p>
+            <a:pPr algn="ctr"/>
+            <a:r>
+              <a:rPr lang="en-US" altLang="ko-KR" sz="1600" dirty="0" err="1"/>
+              <a:t>goal_pos</a:t>
+            </a:r>
+            <a:endParaRPr lang="ko-KR" altLang="en-US" sz="1600" dirty="0"/>
+          </a:p>
+        </p:txBody>
+      </p:sp>
+      <p:sp>
+        <p:nvSpPr>
+          <p:cNvPr id="32" name="순서도: 대체 처리 31">
+            <a:extLst>
+              <a:ext uri="{FF2B5EF4-FFF2-40B4-BE49-F238E27FC236}">
+                <a16:creationId xmlns:a16="http://schemas.microsoft.com/office/drawing/2014/main" id="{B8236989-B09D-7E03-0591-773971579E6B}"/>
+              </a:ext>
+            </a:extLst>
+          </p:cNvPr>
+          <p:cNvSpPr/>
+          <p:nvPr/>
+        </p:nvSpPr>
+        <p:spPr>
+          <a:xfrm>
+            <a:off x="6838237" y="4730701"/>
+            <a:ext cx="1313937" cy="1606612"/>
+          </a:xfrm>
+          <a:prstGeom prst="flowChartAlternateProcess">
+            <a:avLst/>
+          </a:prstGeom>
+        </p:spPr>
+        <p:style>
+          <a:lnRef idx="0">
+            <a:schemeClr val="accent1"/>
+          </a:lnRef>
+          <a:fillRef idx="3">
+            <a:schemeClr val="accent1"/>
+          </a:fillRef>
+          <a:effectRef idx="3">
+            <a:schemeClr val="accent1"/>
+          </a:effectRef>
+          <a:fontRef idx="minor">
+            <a:schemeClr val="lt1"/>
+          </a:fontRef>
+        </p:style>
+        <p:txBody>
+          <a:bodyPr rtlCol="0" anchor="ctr"/>
+          <a:lstStyle/>
+          <a:p>
+            <a:pPr algn="ctr"/>
+            <a:r>
+              <a:rPr lang="en-US" altLang="ko-KR" sz="1200" b="1" dirty="0"/>
+              <a:t>Motion</a:t>
+            </a:r>
+          </a:p>
+          <a:p>
+            <a:pPr algn="ctr"/>
+            <a:r>
+              <a:rPr lang="en-US" altLang="ko-KR" sz="1200" b="1" dirty="0"/>
+              <a:t>Generation</a:t>
+            </a:r>
+          </a:p>
+        </p:txBody>
+      </p:sp>
+      <p:sp>
+        <p:nvSpPr>
+          <p:cNvPr id="34" name="화살표: 오른쪽 33">
+            <a:extLst>
+              <a:ext uri="{FF2B5EF4-FFF2-40B4-BE49-F238E27FC236}">
+                <a16:creationId xmlns:a16="http://schemas.microsoft.com/office/drawing/2014/main" id="{2F8ECAEF-D73F-497E-62C2-99B30E086E62}"/>
+              </a:ext>
+            </a:extLst>
+          </p:cNvPr>
+          <p:cNvSpPr/>
+          <p:nvPr/>
+        </p:nvSpPr>
+        <p:spPr>
+          <a:xfrm>
+            <a:off x="2833244" y="3699468"/>
+            <a:ext cx="481336" cy="218598"/>
+          </a:xfrm>
+          <a:prstGeom prst="rightArrow">
+            <a:avLst/>
+          </a:prstGeom>
+          <a:solidFill>
+            <a:schemeClr val="bg1">
+              <a:lumMod val="50000"/>
+            </a:schemeClr>
+          </a:solidFill>
+          <a:ln>
+            <a:noFill/>
+          </a:ln>
+        </p:spPr>
+        <p:style>
+          <a:lnRef idx="2">
+            <a:schemeClr val="accent1">
+              <a:shade val="15000"/>
+            </a:schemeClr>
+          </a:lnRef>
+          <a:fillRef idx="1">
+            <a:schemeClr val="accent1"/>
+          </a:fillRef>
+          <a:effectRef idx="0">
+            <a:schemeClr val="accent1"/>
+          </a:effectRef>
+          <a:fontRef idx="minor">
+            <a:schemeClr val="lt1"/>
+          </a:fontRef>
+        </p:style>
+        <p:txBody>
+          <a:bodyPr rtlCol="0" anchor="ctr"/>
+          <a:lstStyle/>
+          <a:p>
+            <a:pPr algn="ctr"/>
+            <a:endParaRPr lang="ko-KR" altLang="en-US" dirty="0"/>
+          </a:p>
+        </p:txBody>
+      </p:sp>
+      <p:sp>
+        <p:nvSpPr>
+          <p:cNvPr id="39" name="화살표: 오른쪽 38">
+            <a:extLst>
+              <a:ext uri="{FF2B5EF4-FFF2-40B4-BE49-F238E27FC236}">
+                <a16:creationId xmlns:a16="http://schemas.microsoft.com/office/drawing/2014/main" id="{C1D0F2EF-DBA4-3D6E-CE11-EEB081772EF1}"/>
+              </a:ext>
+            </a:extLst>
+          </p:cNvPr>
+          <p:cNvSpPr/>
+          <p:nvPr/>
+        </p:nvSpPr>
+        <p:spPr>
+          <a:xfrm>
+            <a:off x="2833244" y="5840371"/>
+            <a:ext cx="1634325" cy="218598"/>
+          </a:xfrm>
+          <a:prstGeom prst="rightArrow">
+            <a:avLst/>
+          </a:prstGeom>
+          <a:solidFill>
+            <a:schemeClr val="tx1">
+              <a:lumMod val="50000"/>
+              <a:lumOff val="50000"/>
+            </a:schemeClr>
+          </a:solidFill>
+          <a:ln>
+            <a:noFill/>
+          </a:ln>
+        </p:spPr>
+        <p:style>
+          <a:lnRef idx="2">
+            <a:schemeClr val="accent1">
+              <a:shade val="15000"/>
+            </a:schemeClr>
+          </a:lnRef>
+          <a:fillRef idx="1">
+            <a:schemeClr val="accent1"/>
+          </a:fillRef>
+          <a:effectRef idx="0">
+            <a:schemeClr val="accent1"/>
+          </a:effectRef>
+          <a:fontRef idx="minor">
+            <a:schemeClr val="lt1"/>
+          </a:fontRef>
+        </p:style>
+        <p:txBody>
+          <a:bodyPr rtlCol="0" anchor="ctr"/>
+          <a:lstStyle/>
+          <a:p>
+            <a:pPr algn="ctr"/>
+            <a:endParaRPr lang="ko-KR" altLang="en-US" dirty="0"/>
+          </a:p>
+        </p:txBody>
+      </p:sp>
+      <p:sp>
+        <p:nvSpPr>
+          <p:cNvPr id="43" name="화살표: 오른쪽 42">
+            <a:extLst>
+              <a:ext uri="{FF2B5EF4-FFF2-40B4-BE49-F238E27FC236}">
+                <a16:creationId xmlns:a16="http://schemas.microsoft.com/office/drawing/2014/main" id="{C52317EC-9C21-1F2B-DCA0-189E91D8971B}"/>
+              </a:ext>
+            </a:extLst>
+          </p:cNvPr>
+          <p:cNvSpPr/>
+          <p:nvPr/>
+        </p:nvSpPr>
+        <p:spPr>
+          <a:xfrm>
+            <a:off x="8322165" y="3400179"/>
+            <a:ext cx="550221" cy="218598"/>
+          </a:xfrm>
+          <a:prstGeom prst="rightArrow">
+            <a:avLst/>
+          </a:prstGeom>
+          <a:solidFill>
+            <a:schemeClr val="tx1"/>
+          </a:solidFill>
+          <a:ln>
+            <a:noFill/>
+          </a:ln>
+        </p:spPr>
+        <p:style>
+          <a:lnRef idx="2">
+            <a:schemeClr val="accent1">
+              <a:shade val="15000"/>
+            </a:schemeClr>
+          </a:lnRef>
+          <a:fillRef idx="1">
+            <a:schemeClr val="accent1"/>
+          </a:fillRef>
+          <a:effectRef idx="0">
+            <a:schemeClr val="accent1"/>
+          </a:effectRef>
+          <a:fontRef idx="minor">
+            <a:schemeClr val="lt1"/>
+          </a:fontRef>
+        </p:style>
+        <p:txBody>
+          <a:bodyPr rtlCol="0" anchor="ctr"/>
+          <a:lstStyle/>
+          <a:p>
+            <a:pPr algn="ctr"/>
+            <a:endParaRPr lang="ko-KR" altLang="en-US" dirty="0"/>
+          </a:p>
+        </p:txBody>
+      </p:sp>
+      <p:sp>
+        <p:nvSpPr>
+          <p:cNvPr id="46" name="순서도: 대체 처리 45">
+            <a:extLst>
+              <a:ext uri="{FF2B5EF4-FFF2-40B4-BE49-F238E27FC236}">
+                <a16:creationId xmlns:a16="http://schemas.microsoft.com/office/drawing/2014/main" id="{B29C8004-8896-716B-928F-67DBA6D7B8A1}"/>
+              </a:ext>
+            </a:extLst>
+          </p:cNvPr>
+          <p:cNvSpPr/>
+          <p:nvPr/>
+        </p:nvSpPr>
+        <p:spPr>
+          <a:xfrm>
+            <a:off x="9015398" y="3157131"/>
+            <a:ext cx="1210965" cy="697666"/>
+          </a:xfrm>
+          <a:prstGeom prst="flowChartAlternateProcess">
+            <a:avLst/>
+          </a:prstGeom>
+        </p:spPr>
+        <p:style>
+          <a:lnRef idx="0">
+            <a:schemeClr val="accent2"/>
+          </a:lnRef>
+          <a:fillRef idx="3">
+            <a:schemeClr val="accent2"/>
+          </a:fillRef>
+          <a:effectRef idx="3">
+            <a:schemeClr val="accent2"/>
+          </a:effectRef>
+          <a:fontRef idx="minor">
+            <a:schemeClr val="lt1"/>
+          </a:fontRef>
+        </p:style>
+        <p:txBody>
+          <a:bodyPr rtlCol="0" anchor="ctr"/>
+          <a:lstStyle/>
+          <a:p>
+            <a:pPr algn="ctr"/>
+            <a:r>
+              <a:rPr lang="en-US" altLang="ko-KR" sz="1200" b="1" dirty="0"/>
+              <a:t>Motion (1)</a:t>
+            </a:r>
+          </a:p>
+        </p:txBody>
+      </p:sp>
+      <p:sp>
+        <p:nvSpPr>
+          <p:cNvPr id="48" name="사각형: 둥근 모서리 47">
+            <a:extLst>
+              <a:ext uri="{FF2B5EF4-FFF2-40B4-BE49-F238E27FC236}">
+                <a16:creationId xmlns:a16="http://schemas.microsoft.com/office/drawing/2014/main" id="{527035D0-E893-ABE7-667E-5CEF0BD71412}"/>
+              </a:ext>
+            </a:extLst>
+          </p:cNvPr>
+          <p:cNvSpPr/>
+          <p:nvPr/>
+        </p:nvSpPr>
+        <p:spPr>
+          <a:xfrm>
+            <a:off x="3370239" y="2462140"/>
+            <a:ext cx="2396811" cy="2071602"/>
+          </a:xfrm>
+          <a:prstGeom prst="roundRect">
+            <a:avLst>
+              <a:gd name="adj" fmla="val 7021"/>
+            </a:avLst>
+          </a:prstGeom>
+          <a:noFill/>
+          <a:ln w="28575">
+            <a:solidFill>
+              <a:schemeClr val="accent3"/>
+            </a:solidFill>
+            <a:prstDash val="sysDash"/>
+          </a:ln>
+        </p:spPr>
+        <p:style>
+          <a:lnRef idx="2">
+            <a:schemeClr val="accent1">
+              <a:shade val="15000"/>
+            </a:schemeClr>
+          </a:lnRef>
+          <a:fillRef idx="1">
+            <a:schemeClr val="accent1"/>
+          </a:fillRef>
+          <a:effectRef idx="0">
+            <a:schemeClr val="accent1"/>
+          </a:effectRef>
+          <a:fontRef idx="minor">
+            <a:schemeClr val="lt1"/>
+          </a:fontRef>
+        </p:style>
+        <p:txBody>
+          <a:bodyPr rtlCol="0" anchor="ctr"/>
+          <a:lstStyle/>
+          <a:p>
+            <a:pPr algn="ctr"/>
+            <a:endParaRPr lang="ko-KR" altLang="en-US" dirty="0"/>
+          </a:p>
+        </p:txBody>
+      </p:sp>
+      <p:sp>
+        <p:nvSpPr>
+          <p:cNvPr id="49" name="TextBox 48">
+            <a:extLst>
+              <a:ext uri="{FF2B5EF4-FFF2-40B4-BE49-F238E27FC236}">
+                <a16:creationId xmlns:a16="http://schemas.microsoft.com/office/drawing/2014/main" id="{D6C8E3E6-5643-05B4-5B6C-D3B79F4FB6F6}"/>
+              </a:ext>
+            </a:extLst>
+          </p:cNvPr>
+          <p:cNvSpPr txBox="1"/>
+          <p:nvPr/>
+        </p:nvSpPr>
+        <p:spPr>
+          <a:xfrm>
+            <a:off x="3591750" y="2051510"/>
+            <a:ext cx="2110013" cy="338554"/>
+          </a:xfrm>
+          <a:prstGeom prst="rect">
+            <a:avLst/>
+          </a:prstGeom>
+          <a:noFill/>
+        </p:spPr>
+        <p:txBody>
+          <a:bodyPr wrap="square" rtlCol="0">
+            <a:spAutoFit/>
+          </a:bodyPr>
+          <a:lstStyle/>
+          <a:p>
+            <a:pPr algn="ctr"/>
+            <a:r>
+              <a:rPr lang="en-US" altLang="ko-KR" sz="1600" b="1" dirty="0"/>
+              <a:t>Grasping Network</a:t>
+            </a:r>
+            <a:endParaRPr lang="ko-KR" altLang="en-US" sz="1600" b="1" dirty="0"/>
+          </a:p>
+        </p:txBody>
+      </p:sp>
+      <p:sp>
+        <p:nvSpPr>
+          <p:cNvPr id="55" name="순서도: 대체 처리 54">
+            <a:extLst>
+              <a:ext uri="{FF2B5EF4-FFF2-40B4-BE49-F238E27FC236}">
+                <a16:creationId xmlns:a16="http://schemas.microsoft.com/office/drawing/2014/main" id="{B6A999B5-EE75-18E2-030F-4D6C679723FE}"/>
+              </a:ext>
+            </a:extLst>
+          </p:cNvPr>
+          <p:cNvSpPr/>
+          <p:nvPr/>
+        </p:nvSpPr>
+        <p:spPr>
+          <a:xfrm>
+            <a:off x="6838237" y="2659590"/>
+            <a:ext cx="1313937" cy="1677270"/>
+          </a:xfrm>
+          <a:prstGeom prst="flowChartAlternateProcess">
+            <a:avLst/>
+          </a:prstGeom>
+        </p:spPr>
+        <p:style>
+          <a:lnRef idx="0">
+            <a:schemeClr val="accent1"/>
+          </a:lnRef>
+          <a:fillRef idx="3">
+            <a:schemeClr val="accent1"/>
+          </a:fillRef>
+          <a:effectRef idx="3">
+            <a:schemeClr val="accent1"/>
+          </a:effectRef>
+          <a:fontRef idx="minor">
+            <a:schemeClr val="lt1"/>
+          </a:fontRef>
+        </p:style>
+        <p:txBody>
+          <a:bodyPr rtlCol="0" anchor="ctr"/>
+          <a:lstStyle/>
+          <a:p>
+            <a:pPr algn="ctr"/>
+            <a:r>
+              <a:rPr lang="en-US" altLang="ko-KR" sz="1200" b="1" dirty="0"/>
+              <a:t>Motion</a:t>
+            </a:r>
+          </a:p>
+          <a:p>
+            <a:pPr algn="ctr"/>
+            <a:r>
+              <a:rPr lang="en-US" altLang="ko-KR" sz="1200" b="1" dirty="0"/>
+              <a:t>Generation</a:t>
+            </a:r>
+          </a:p>
+        </p:txBody>
+      </p:sp>
+      <p:sp>
+        <p:nvSpPr>
+          <p:cNvPr id="58" name="순서도: 대체 처리 57">
+            <a:extLst>
+              <a:ext uri="{FF2B5EF4-FFF2-40B4-BE49-F238E27FC236}">
+                <a16:creationId xmlns:a16="http://schemas.microsoft.com/office/drawing/2014/main" id="{D0F6871E-38A9-EB66-654B-5208ADD9B3E8}"/>
+              </a:ext>
+            </a:extLst>
+          </p:cNvPr>
+          <p:cNvSpPr/>
+          <p:nvPr/>
+        </p:nvSpPr>
+        <p:spPr>
+          <a:xfrm>
+            <a:off x="3634260" y="3562610"/>
+            <a:ext cx="1313937" cy="697666"/>
+          </a:xfrm>
+          <a:prstGeom prst="flowChartAlternateProcess">
+            <a:avLst/>
+          </a:prstGeom>
+        </p:spPr>
+        <p:style>
+          <a:lnRef idx="0">
+            <a:schemeClr val="accent1"/>
+          </a:lnRef>
+          <a:fillRef idx="3">
+            <a:schemeClr val="accent1"/>
+          </a:fillRef>
+          <a:effectRef idx="3">
+            <a:schemeClr val="accent1"/>
+          </a:effectRef>
+          <a:fontRef idx="minor">
+            <a:schemeClr val="lt1"/>
+          </a:fontRef>
+        </p:style>
+        <p:txBody>
+          <a:bodyPr rtlCol="0" anchor="ctr"/>
+          <a:lstStyle/>
+          <a:p>
+            <a:pPr algn="ctr"/>
+            <a:r>
+              <a:rPr lang="en-US" altLang="ko-KR" sz="1200" b="1" dirty="0"/>
+              <a:t>Grasp</a:t>
+            </a:r>
+          </a:p>
+          <a:p>
+            <a:pPr algn="ctr"/>
+            <a:r>
+              <a:rPr lang="en-US" altLang="ko-KR" sz="1200" b="1" dirty="0"/>
+              <a:t>Detection</a:t>
+            </a:r>
+            <a:endParaRPr lang="ko-KR" altLang="en-US" sz="1200" b="1" dirty="0"/>
+          </a:p>
+        </p:txBody>
+      </p:sp>
+      <p:sp>
+        <p:nvSpPr>
+          <p:cNvPr id="59" name="화살표: 오른쪽 58">
+            <a:extLst>
+              <a:ext uri="{FF2B5EF4-FFF2-40B4-BE49-F238E27FC236}">
+                <a16:creationId xmlns:a16="http://schemas.microsoft.com/office/drawing/2014/main" id="{B4820ACB-722E-8BAF-1755-9B8373A6683B}"/>
+              </a:ext>
+            </a:extLst>
+          </p:cNvPr>
+          <p:cNvSpPr/>
+          <p:nvPr/>
+        </p:nvSpPr>
+        <p:spPr>
+          <a:xfrm>
+            <a:off x="5069088" y="3818101"/>
+            <a:ext cx="1561185" cy="218598"/>
+          </a:xfrm>
+          <a:prstGeom prst="rightArrow">
+            <a:avLst/>
+          </a:prstGeom>
+          <a:solidFill>
+            <a:schemeClr val="tx1"/>
+          </a:solidFill>
+          <a:ln>
+            <a:noFill/>
+          </a:ln>
+        </p:spPr>
+        <p:style>
+          <a:lnRef idx="2">
+            <a:schemeClr val="accent1">
+              <a:shade val="15000"/>
+            </a:schemeClr>
+          </a:lnRef>
+          <a:fillRef idx="1">
+            <a:schemeClr val="accent1"/>
+          </a:fillRef>
+          <a:effectRef idx="0">
+            <a:schemeClr val="accent1"/>
+          </a:effectRef>
+          <a:fontRef idx="minor">
+            <a:schemeClr val="lt1"/>
+          </a:fontRef>
+        </p:style>
+        <p:txBody>
+          <a:bodyPr rtlCol="0" anchor="ctr"/>
+          <a:lstStyle/>
+          <a:p>
+            <a:pPr algn="ctr"/>
+            <a:endParaRPr lang="ko-KR" altLang="en-US" dirty="0"/>
+          </a:p>
+        </p:txBody>
+      </p:sp>
+      <p:sp>
+        <p:nvSpPr>
+          <p:cNvPr id="10" name="TextBox 9">
+            <a:extLst>
+              <a:ext uri="{FF2B5EF4-FFF2-40B4-BE49-F238E27FC236}">
+                <a16:creationId xmlns:a16="http://schemas.microsoft.com/office/drawing/2014/main" id="{1EC421B4-FC06-530C-EE59-9C89AF3E61C5}"/>
+              </a:ext>
+            </a:extLst>
+          </p:cNvPr>
+          <p:cNvSpPr txBox="1"/>
+          <p:nvPr/>
+        </p:nvSpPr>
+        <p:spPr>
+          <a:xfrm>
+            <a:off x="4740147" y="2595594"/>
+            <a:ext cx="1313937" cy="307777"/>
+          </a:xfrm>
+          <a:prstGeom prst="rect">
+            <a:avLst/>
+          </a:prstGeom>
+          <a:noFill/>
+        </p:spPr>
+        <p:txBody>
+          <a:bodyPr wrap="square" rtlCol="0">
+            <a:spAutoFit/>
+          </a:bodyPr>
+          <a:lstStyle/>
+          <a:p>
+            <a:pPr algn="ctr"/>
+            <a:r>
+              <a:rPr lang="en-US" altLang="ko-KR" sz="1400" dirty="0" err="1"/>
+              <a:t>obj_pos</a:t>
+            </a:r>
+            <a:endParaRPr lang="ko-KR" altLang="en-US" sz="1400" dirty="0"/>
+          </a:p>
+        </p:txBody>
+      </p:sp>
+      <p:sp>
+        <p:nvSpPr>
+          <p:cNvPr id="54" name="TextBox 53">
+            <a:extLst>
+              <a:ext uri="{FF2B5EF4-FFF2-40B4-BE49-F238E27FC236}">
+                <a16:creationId xmlns:a16="http://schemas.microsoft.com/office/drawing/2014/main" id="{C4D8488E-5509-AAFA-E3CF-480BE174A409}"/>
+              </a:ext>
+            </a:extLst>
+          </p:cNvPr>
+          <p:cNvSpPr txBox="1"/>
+          <p:nvPr/>
+        </p:nvSpPr>
+        <p:spPr>
+          <a:xfrm>
+            <a:off x="4740146" y="3496669"/>
+            <a:ext cx="1313937" cy="307777"/>
+          </a:xfrm>
+          <a:prstGeom prst="rect">
+            <a:avLst/>
+          </a:prstGeom>
+          <a:noFill/>
+        </p:spPr>
+        <p:txBody>
+          <a:bodyPr wrap="square" rtlCol="0">
+            <a:spAutoFit/>
+          </a:bodyPr>
+          <a:lstStyle/>
+          <a:p>
+            <a:pPr algn="ctr"/>
+            <a:r>
+              <a:rPr lang="en-US" altLang="ko-KR" sz="1400" dirty="0" err="1"/>
+              <a:t>grasp_pos</a:t>
+            </a:r>
+            <a:endParaRPr lang="en-US" altLang="ko-KR" sz="1400" dirty="0"/>
+          </a:p>
+        </p:txBody>
+      </p:sp>
+      <p:sp>
+        <p:nvSpPr>
+          <p:cNvPr id="60" name="직사각형 59">
+            <a:extLst>
+              <a:ext uri="{FF2B5EF4-FFF2-40B4-BE49-F238E27FC236}">
+                <a16:creationId xmlns:a16="http://schemas.microsoft.com/office/drawing/2014/main" id="{16407A27-FD61-829D-3BF1-4983351D0140}"/>
+              </a:ext>
+            </a:extLst>
+          </p:cNvPr>
+          <p:cNvSpPr/>
+          <p:nvPr/>
+        </p:nvSpPr>
+        <p:spPr>
+          <a:xfrm>
+            <a:off x="2677347" y="1503452"/>
+            <a:ext cx="104456" cy="3522573"/>
+          </a:xfrm>
+          <a:prstGeom prst="rect">
+            <a:avLst/>
+          </a:prstGeom>
+          <a:solidFill>
+            <a:schemeClr val="accent4"/>
+          </a:solidFill>
+          <a:ln>
+            <a:noFill/>
+          </a:ln>
+        </p:spPr>
+        <p:style>
+          <a:lnRef idx="2">
+            <a:schemeClr val="accent1">
+              <a:shade val="15000"/>
+            </a:schemeClr>
+          </a:lnRef>
+          <a:fillRef idx="1">
+            <a:schemeClr val="accent1"/>
+          </a:fillRef>
+          <a:effectRef idx="0">
+            <a:schemeClr val="accent1"/>
+          </a:effectRef>
+          <a:fontRef idx="minor">
+            <a:schemeClr val="lt1"/>
+          </a:fontRef>
+        </p:style>
+        <p:txBody>
+          <a:bodyPr rtlCol="0" anchor="ctr"/>
+          <a:lstStyle/>
+          <a:p>
+            <a:pPr algn="ctr"/>
+            <a:endParaRPr lang="ko-KR" altLang="en-US" dirty="0"/>
+          </a:p>
+        </p:txBody>
+      </p:sp>
+      <p:sp>
+        <p:nvSpPr>
+          <p:cNvPr id="61" name="화살표: 오른쪽 60">
+            <a:extLst>
+              <a:ext uri="{FF2B5EF4-FFF2-40B4-BE49-F238E27FC236}">
+                <a16:creationId xmlns:a16="http://schemas.microsoft.com/office/drawing/2014/main" id="{A233CCB5-553E-D9CF-D228-6BCC6629AF76}"/>
+              </a:ext>
+            </a:extLst>
+          </p:cNvPr>
+          <p:cNvSpPr/>
+          <p:nvPr/>
+        </p:nvSpPr>
+        <p:spPr>
+          <a:xfrm>
+            <a:off x="2677346" y="3016380"/>
+            <a:ext cx="637234" cy="218598"/>
+          </a:xfrm>
+          <a:prstGeom prst="rightArrow">
+            <a:avLst/>
+          </a:prstGeom>
+          <a:solidFill>
+            <a:schemeClr val="accent4"/>
+          </a:solidFill>
+          <a:ln>
+            <a:noFill/>
+          </a:ln>
+        </p:spPr>
+        <p:style>
+          <a:lnRef idx="2">
+            <a:schemeClr val="accent1">
+              <a:shade val="15000"/>
+            </a:schemeClr>
+          </a:lnRef>
+          <a:fillRef idx="1">
+            <a:schemeClr val="accent1"/>
+          </a:fillRef>
+          <a:effectRef idx="0">
+            <a:schemeClr val="accent1"/>
+          </a:effectRef>
+          <a:fontRef idx="minor">
+            <a:schemeClr val="lt1"/>
+          </a:fontRef>
+        </p:style>
+        <p:txBody>
+          <a:bodyPr rtlCol="0" anchor="ctr"/>
+          <a:lstStyle/>
+          <a:p>
+            <a:pPr algn="ctr"/>
+            <a:endParaRPr lang="ko-KR" altLang="en-US" dirty="0"/>
+          </a:p>
+        </p:txBody>
+      </p:sp>
+      <p:sp>
+        <p:nvSpPr>
+          <p:cNvPr id="62" name="직사각형 61">
+            <a:extLst>
+              <a:ext uri="{FF2B5EF4-FFF2-40B4-BE49-F238E27FC236}">
+                <a16:creationId xmlns:a16="http://schemas.microsoft.com/office/drawing/2014/main" id="{FB5924AD-7BD7-6DF5-DFCE-86CB38BC20F3}"/>
+              </a:ext>
+            </a:extLst>
+          </p:cNvPr>
+          <p:cNvSpPr/>
+          <p:nvPr/>
+        </p:nvSpPr>
+        <p:spPr>
+          <a:xfrm rot="5400000">
+            <a:off x="1823925" y="4827426"/>
+            <a:ext cx="2125497" cy="106858"/>
+          </a:xfrm>
+          <a:prstGeom prst="rect">
+            <a:avLst/>
+          </a:prstGeom>
+          <a:solidFill>
+            <a:schemeClr val="bg1">
+              <a:lumMod val="50000"/>
+            </a:schemeClr>
+          </a:solidFill>
+          <a:ln>
+            <a:noFill/>
+          </a:ln>
+        </p:spPr>
+        <p:style>
+          <a:lnRef idx="2">
+            <a:schemeClr val="accent1">
+              <a:shade val="15000"/>
+            </a:schemeClr>
+          </a:lnRef>
+          <a:fillRef idx="1">
+            <a:schemeClr val="accent1"/>
+          </a:fillRef>
+          <a:effectRef idx="0">
+            <a:schemeClr val="accent1"/>
+          </a:effectRef>
+          <a:fontRef idx="minor">
+            <a:schemeClr val="lt1"/>
+          </a:fontRef>
+        </p:style>
+        <p:txBody>
+          <a:bodyPr rtlCol="0" anchor="ctr"/>
+          <a:lstStyle/>
+          <a:p>
+            <a:pPr algn="ctr"/>
+            <a:endParaRPr lang="ko-KR" altLang="en-US"/>
+          </a:p>
+        </p:txBody>
+      </p:sp>
+      <p:sp>
+        <p:nvSpPr>
+          <p:cNvPr id="1025" name="화살표: 오른쪽 1024">
+            <a:extLst>
+              <a:ext uri="{FF2B5EF4-FFF2-40B4-BE49-F238E27FC236}">
+                <a16:creationId xmlns:a16="http://schemas.microsoft.com/office/drawing/2014/main" id="{21CD2C2A-9DE4-918D-9DAD-D22702A68C67}"/>
+              </a:ext>
+            </a:extLst>
+          </p:cNvPr>
+          <p:cNvSpPr/>
+          <p:nvPr/>
+        </p:nvSpPr>
+        <p:spPr>
+          <a:xfrm>
+            <a:off x="2677009" y="4959633"/>
+            <a:ext cx="1790559" cy="218598"/>
+          </a:xfrm>
+          <a:prstGeom prst="rightArrow">
+            <a:avLst/>
+          </a:prstGeom>
+          <a:solidFill>
+            <a:schemeClr val="accent4"/>
+          </a:solidFill>
+          <a:ln>
+            <a:noFill/>
+          </a:ln>
+        </p:spPr>
+        <p:style>
+          <a:lnRef idx="2">
+            <a:schemeClr val="accent1">
+              <a:shade val="15000"/>
+            </a:schemeClr>
+          </a:lnRef>
+          <a:fillRef idx="1">
+            <a:schemeClr val="accent1"/>
+          </a:fillRef>
+          <a:effectRef idx="0">
+            <a:schemeClr val="accent1"/>
+          </a:effectRef>
+          <a:fontRef idx="minor">
+            <a:schemeClr val="lt1"/>
+          </a:fontRef>
+        </p:style>
+        <p:txBody>
+          <a:bodyPr rtlCol="0" anchor="ctr"/>
+          <a:lstStyle/>
+          <a:p>
+            <a:pPr algn="ctr"/>
+            <a:endParaRPr lang="ko-KR" altLang="en-US" dirty="0"/>
+          </a:p>
+        </p:txBody>
+      </p:sp>
+      <p:sp>
+        <p:nvSpPr>
+          <p:cNvPr id="1027" name="TextBox 1026">
+            <a:extLst>
+              <a:ext uri="{FF2B5EF4-FFF2-40B4-BE49-F238E27FC236}">
+                <a16:creationId xmlns:a16="http://schemas.microsoft.com/office/drawing/2014/main" id="{C8A566D3-243C-198B-E278-31AA82BCA7A0}"/>
+              </a:ext>
+            </a:extLst>
+          </p:cNvPr>
+          <p:cNvSpPr txBox="1"/>
+          <p:nvPr/>
+        </p:nvSpPr>
+        <p:spPr>
+          <a:xfrm>
+            <a:off x="2038987" y="1656423"/>
+            <a:ext cx="1313937" cy="584775"/>
+          </a:xfrm>
+          <a:prstGeom prst="rect">
+            <a:avLst/>
+          </a:prstGeom>
+          <a:noFill/>
+        </p:spPr>
+        <p:txBody>
+          <a:bodyPr wrap="square" rtlCol="0">
+            <a:spAutoFit/>
+          </a:bodyPr>
+          <a:lstStyle/>
+          <a:p>
+            <a:pPr algn="ctr"/>
+            <a:r>
+              <a:rPr lang="en-US" altLang="ko-KR" sz="1600" b="1" dirty="0"/>
+              <a:t>Target, Task</a:t>
+            </a:r>
+            <a:endParaRPr lang="ko-KR" altLang="en-US" sz="1600" b="1" dirty="0"/>
+          </a:p>
+        </p:txBody>
+      </p:sp>
+      <p:sp>
+        <p:nvSpPr>
+          <p:cNvPr id="1034" name="화살표: 오른쪽 1033">
+            <a:extLst>
+              <a:ext uri="{FF2B5EF4-FFF2-40B4-BE49-F238E27FC236}">
+                <a16:creationId xmlns:a16="http://schemas.microsoft.com/office/drawing/2014/main" id="{B74C9505-23E2-2FC9-E1B3-AF43802676D5}"/>
+              </a:ext>
+            </a:extLst>
+          </p:cNvPr>
+          <p:cNvSpPr/>
+          <p:nvPr/>
+        </p:nvSpPr>
+        <p:spPr>
+          <a:xfrm>
+            <a:off x="5986609" y="5424708"/>
+            <a:ext cx="646495" cy="218598"/>
+          </a:xfrm>
+          <a:prstGeom prst="rightArrow">
+            <a:avLst/>
+          </a:prstGeom>
+          <a:solidFill>
+            <a:schemeClr val="tx1"/>
+          </a:solidFill>
+          <a:ln>
+            <a:noFill/>
+          </a:ln>
+        </p:spPr>
+        <p:style>
+          <a:lnRef idx="2">
+            <a:schemeClr val="accent1">
+              <a:shade val="15000"/>
+            </a:schemeClr>
+          </a:lnRef>
+          <a:fillRef idx="1">
+            <a:schemeClr val="accent1"/>
+          </a:fillRef>
+          <a:effectRef idx="0">
+            <a:schemeClr val="accent1"/>
+          </a:effectRef>
+          <a:fontRef idx="minor">
+            <a:schemeClr val="lt1"/>
+          </a:fontRef>
+        </p:style>
+        <p:txBody>
+          <a:bodyPr rtlCol="0" anchor="ctr"/>
+          <a:lstStyle/>
+          <a:p>
+            <a:pPr algn="ctr"/>
+            <a:endParaRPr lang="ko-KR" altLang="en-US" dirty="0"/>
+          </a:p>
+        </p:txBody>
+      </p:sp>
+      <p:sp>
+        <p:nvSpPr>
+          <p:cNvPr id="1037" name="화살표: 오른쪽 1036">
+            <a:extLst>
+              <a:ext uri="{FF2B5EF4-FFF2-40B4-BE49-F238E27FC236}">
+                <a16:creationId xmlns:a16="http://schemas.microsoft.com/office/drawing/2014/main" id="{A03D6963-72FE-6CD2-5657-7873EECA5079}"/>
+              </a:ext>
+            </a:extLst>
+          </p:cNvPr>
+          <p:cNvSpPr/>
+          <p:nvPr/>
+        </p:nvSpPr>
+        <p:spPr>
+          <a:xfrm>
+            <a:off x="5995534" y="4959633"/>
+            <a:ext cx="637570" cy="218598"/>
+          </a:xfrm>
+          <a:prstGeom prst="rightArrow">
+            <a:avLst/>
+          </a:prstGeom>
+          <a:solidFill>
+            <a:schemeClr val="accent4"/>
+          </a:solidFill>
+          <a:ln>
+            <a:noFill/>
+          </a:ln>
+        </p:spPr>
+        <p:style>
+          <a:lnRef idx="2">
+            <a:schemeClr val="accent1">
+              <a:shade val="15000"/>
+            </a:schemeClr>
+          </a:lnRef>
+          <a:fillRef idx="1">
+            <a:schemeClr val="accent1"/>
+          </a:fillRef>
+          <a:effectRef idx="0">
+            <a:schemeClr val="accent1"/>
+          </a:effectRef>
+          <a:fontRef idx="minor">
+            <a:schemeClr val="lt1"/>
+          </a:fontRef>
+        </p:style>
+        <p:txBody>
+          <a:bodyPr rtlCol="0" anchor="ctr"/>
+          <a:lstStyle/>
+          <a:p>
+            <a:pPr algn="ctr"/>
+            <a:endParaRPr lang="ko-KR" altLang="en-US" dirty="0"/>
+          </a:p>
+        </p:txBody>
+      </p:sp>
+      <p:sp>
+        <p:nvSpPr>
+          <p:cNvPr id="1038" name="TextBox 1037">
+            <a:extLst>
+              <a:ext uri="{FF2B5EF4-FFF2-40B4-BE49-F238E27FC236}">
+                <a16:creationId xmlns:a16="http://schemas.microsoft.com/office/drawing/2014/main" id="{803470F9-718D-A198-7450-FC708B1F7338}"/>
+              </a:ext>
+            </a:extLst>
+          </p:cNvPr>
+          <p:cNvSpPr txBox="1"/>
+          <p:nvPr/>
+        </p:nvSpPr>
+        <p:spPr>
+          <a:xfrm>
+            <a:off x="5386802" y="1614096"/>
+            <a:ext cx="1313937" cy="338554"/>
+          </a:xfrm>
+          <a:prstGeom prst="rect">
+            <a:avLst/>
+          </a:prstGeom>
+          <a:noFill/>
+        </p:spPr>
+        <p:txBody>
+          <a:bodyPr wrap="square" rtlCol="0">
+            <a:spAutoFit/>
+          </a:bodyPr>
+          <a:lstStyle/>
+          <a:p>
+            <a:pPr algn="ctr"/>
+            <a:r>
+              <a:rPr lang="en-US" altLang="ko-KR" sz="1600" b="1" dirty="0"/>
+              <a:t>Style</a:t>
+            </a:r>
+            <a:endParaRPr lang="ko-KR" altLang="en-US" sz="1600" b="1" dirty="0"/>
+          </a:p>
+        </p:txBody>
+      </p:sp>
+      <p:sp>
+        <p:nvSpPr>
+          <p:cNvPr id="1039" name="순서도: 대체 처리 1038">
+            <a:extLst>
+              <a:ext uri="{FF2B5EF4-FFF2-40B4-BE49-F238E27FC236}">
+                <a16:creationId xmlns:a16="http://schemas.microsoft.com/office/drawing/2014/main" id="{A5FCAD64-FE67-50ED-578F-6A48505F77A0}"/>
+              </a:ext>
+            </a:extLst>
+          </p:cNvPr>
+          <p:cNvSpPr/>
+          <p:nvPr/>
+        </p:nvSpPr>
+        <p:spPr>
+          <a:xfrm>
+            <a:off x="9042380" y="5131642"/>
+            <a:ext cx="1210965" cy="697666"/>
+          </a:xfrm>
+          <a:prstGeom prst="flowChartAlternateProcess">
+            <a:avLst/>
+          </a:prstGeom>
+        </p:spPr>
+        <p:style>
+          <a:lnRef idx="0">
+            <a:schemeClr val="accent2"/>
+          </a:lnRef>
+          <a:fillRef idx="3">
+            <a:schemeClr val="accent2"/>
+          </a:fillRef>
+          <a:effectRef idx="3">
+            <a:schemeClr val="accent2"/>
+          </a:effectRef>
+          <a:fontRef idx="minor">
+            <a:schemeClr val="lt1"/>
+          </a:fontRef>
+        </p:style>
+        <p:txBody>
+          <a:bodyPr rtlCol="0" anchor="ctr"/>
+          <a:lstStyle/>
+          <a:p>
+            <a:pPr algn="ctr"/>
+            <a:r>
+              <a:rPr lang="en-US" altLang="ko-KR" sz="1200" b="1" dirty="0"/>
+              <a:t>Motion (2)</a:t>
+            </a:r>
+          </a:p>
+        </p:txBody>
+      </p:sp>
+      <p:sp>
+        <p:nvSpPr>
+          <p:cNvPr id="1042" name="화살표: 오른쪽 1041">
+            <a:extLst>
+              <a:ext uri="{FF2B5EF4-FFF2-40B4-BE49-F238E27FC236}">
+                <a16:creationId xmlns:a16="http://schemas.microsoft.com/office/drawing/2014/main" id="{219486B8-8B2B-4582-685E-74B53FEC76D1}"/>
+              </a:ext>
+            </a:extLst>
+          </p:cNvPr>
+          <p:cNvSpPr/>
+          <p:nvPr/>
+        </p:nvSpPr>
+        <p:spPr>
+          <a:xfrm>
             <a:off x="8322165" y="5371176"/>
             <a:ext cx="550221" cy="218598"/>
           </a:xfrm>
@@ -9084,7 +11322,7 @@
 </p:sld>
 </file>
 
-<file path=ppt/slides/slide4.xml><?xml version="1.0" encoding="utf-8"?>
+<file path=ppt/slides/slide5.xml><?xml version="1.0" encoding="utf-8"?>
 <p:sld xmlns:a="http://schemas.openxmlformats.org/drawingml/2006/main" xmlns:r="http://schemas.openxmlformats.org/officeDocument/2006/relationships" xmlns:p="http://schemas.openxmlformats.org/presentationml/2006/main">
   <p:cSld>
     <p:spTree>
